--- a/figure/figure.pptx
+++ b/figure/figure.pptx
@@ -5,7 +5,12 @@
     <p:sldMasterId id="2147483648" r:id="rId1"/>
   </p:sldMasterIdLst>
   <p:sldIdLst>
-    <p:sldId id="256" r:id="rId2"/>
+    <p:sldId id="259" r:id="rId2"/>
+    <p:sldId id="256" r:id="rId3"/>
+    <p:sldId id="260" r:id="rId4"/>
+    <p:sldId id="261" r:id="rId5"/>
+    <p:sldId id="262" r:id="rId6"/>
+    <p:sldId id="263" r:id="rId7"/>
   </p:sldIdLst>
   <p:sldSz cx="12192000" cy="6858000"/>
   <p:notesSz cx="6858000" cy="9144000"/>
@@ -269,7 +274,7 @@
           <a:lstStyle/>
           <a:p>
             <a:fld id="{53B8B6C1-0A8E-C946-8FF3-B56BE693DFD7}" type="datetimeFigureOut">
-              <a:t>2020/1/7</a:t>
+              <a:t>2020/1/17</a:t>
             </a:fld>
             <a:endParaRPr kumimoji="1" lang="ja-JP" altLang="en-US"/>
           </a:p>
@@ -497,7 +502,7 @@
           <a:lstStyle/>
           <a:p>
             <a:fld id="{53B8B6C1-0A8E-C946-8FF3-B56BE693DFD7}" type="datetimeFigureOut">
-              <a:t>2020/1/7</a:t>
+              <a:t>2020/1/17</a:t>
             </a:fld>
             <a:endParaRPr kumimoji="1" lang="ja-JP" altLang="en-US"/>
           </a:p>
@@ -735,7 +740,7 @@
           <a:lstStyle/>
           <a:p>
             <a:fld id="{53B8B6C1-0A8E-C946-8FF3-B56BE693DFD7}" type="datetimeFigureOut">
-              <a:t>2020/1/7</a:t>
+              <a:t>2020/1/17</a:t>
             </a:fld>
             <a:endParaRPr kumimoji="1" lang="ja-JP" altLang="en-US"/>
           </a:p>
@@ -963,7 +968,7 @@
           <a:lstStyle/>
           <a:p>
             <a:fld id="{53B8B6C1-0A8E-C946-8FF3-B56BE693DFD7}" type="datetimeFigureOut">
-              <a:t>2020/1/7</a:t>
+              <a:t>2020/1/17</a:t>
             </a:fld>
             <a:endParaRPr kumimoji="1" lang="ja-JP" altLang="en-US"/>
           </a:p>
@@ -1236,7 +1241,7 @@
           <a:lstStyle/>
           <a:p>
             <a:fld id="{53B8B6C1-0A8E-C946-8FF3-B56BE693DFD7}" type="datetimeFigureOut">
-              <a:t>2020/1/7</a:t>
+              <a:t>2020/1/17</a:t>
             </a:fld>
             <a:endParaRPr kumimoji="1" lang="ja-JP" altLang="en-US"/>
           </a:p>
@@ -1563,7 +1568,7 @@
           <a:lstStyle/>
           <a:p>
             <a:fld id="{53B8B6C1-0A8E-C946-8FF3-B56BE693DFD7}" type="datetimeFigureOut">
-              <a:t>2020/1/7</a:t>
+              <a:t>2020/1/17</a:t>
             </a:fld>
             <a:endParaRPr kumimoji="1" lang="ja-JP" altLang="en-US"/>
           </a:p>
@@ -2037,7 +2042,7 @@
           <a:lstStyle/>
           <a:p>
             <a:fld id="{53B8B6C1-0A8E-C946-8FF3-B56BE693DFD7}" type="datetimeFigureOut">
-              <a:t>2020/1/7</a:t>
+              <a:t>2020/1/17</a:t>
             </a:fld>
             <a:endParaRPr kumimoji="1" lang="ja-JP" altLang="en-US"/>
           </a:p>
@@ -2176,7 +2181,7 @@
           <a:lstStyle/>
           <a:p>
             <a:fld id="{53B8B6C1-0A8E-C946-8FF3-B56BE693DFD7}" type="datetimeFigureOut">
-              <a:t>2020/1/7</a:t>
+              <a:t>2020/1/17</a:t>
             </a:fld>
             <a:endParaRPr kumimoji="1" lang="ja-JP" altLang="en-US"/>
           </a:p>
@@ -2287,7 +2292,7 @@
           <a:lstStyle/>
           <a:p>
             <a:fld id="{53B8B6C1-0A8E-C946-8FF3-B56BE693DFD7}" type="datetimeFigureOut">
-              <a:t>2020/1/7</a:t>
+              <a:t>2020/1/17</a:t>
             </a:fld>
             <a:endParaRPr kumimoji="1" lang="ja-JP" altLang="en-US"/>
           </a:p>
@@ -2628,7 +2633,7 @@
           <a:lstStyle/>
           <a:p>
             <a:fld id="{53B8B6C1-0A8E-C946-8FF3-B56BE693DFD7}" type="datetimeFigureOut">
-              <a:t>2020/1/7</a:t>
+              <a:t>2020/1/17</a:t>
             </a:fld>
             <a:endParaRPr kumimoji="1" lang="ja-JP" altLang="en-US"/>
           </a:p>
@@ -2914,7 +2919,7 @@
           <a:lstStyle/>
           <a:p>
             <a:fld id="{53B8B6C1-0A8E-C946-8FF3-B56BE693DFD7}" type="datetimeFigureOut">
-              <a:t>2020/1/7</a:t>
+              <a:t>2020/1/17</a:t>
             </a:fld>
             <a:endParaRPr kumimoji="1" lang="ja-JP" altLang="en-US"/>
           </a:p>
@@ -3185,7 +3190,7 @@
           </a:lstStyle>
           <a:p>
             <a:fld id="{53B8B6C1-0A8E-C946-8FF3-B56BE693DFD7}" type="datetimeFigureOut">
-              <a:t>2020/1/7</a:t>
+              <a:t>2020/1/17</a:t>
             </a:fld>
             <a:endParaRPr kumimoji="1" lang="ja-JP" altLang="en-US"/>
           </a:p>
@@ -3601,6 +3606,1021 @@
           <a:chExt cx="0" cy="0"/>
         </a:xfrm>
       </p:grpSpPr>
+      <p:grpSp>
+        <p:nvGrpSpPr>
+          <p:cNvPr id="34" name="グループ化 33">
+            <a:extLst>
+              <a:ext uri="{FF2B5EF4-FFF2-40B4-BE49-F238E27FC236}">
+                <a16:creationId xmlns:a16="http://schemas.microsoft.com/office/drawing/2014/main" id="{E164D490-1269-5943-AD46-55BDDDDA47A8}"/>
+              </a:ext>
+            </a:extLst>
+          </p:cNvPr>
+          <p:cNvGrpSpPr/>
+          <p:nvPr/>
+        </p:nvGrpSpPr>
+        <p:grpSpPr>
+          <a:xfrm>
+            <a:off x="107572" y="546849"/>
+            <a:ext cx="11964891" cy="3443319"/>
+            <a:chOff x="107572" y="546849"/>
+            <a:chExt cx="11964891" cy="3443319"/>
+          </a:xfrm>
+        </p:grpSpPr>
+        <p:grpSp>
+          <p:nvGrpSpPr>
+            <p:cNvPr id="31" name="グループ化 30">
+              <a:extLst>
+                <a:ext uri="{FF2B5EF4-FFF2-40B4-BE49-F238E27FC236}">
+                  <a16:creationId xmlns:a16="http://schemas.microsoft.com/office/drawing/2014/main" id="{F5DA2530-6F9A-D144-AC33-5522AD5B31C8}"/>
+                </a:ext>
+              </a:extLst>
+            </p:cNvPr>
+            <p:cNvGrpSpPr/>
+            <p:nvPr/>
+          </p:nvGrpSpPr>
+          <p:grpSpPr>
+            <a:xfrm>
+              <a:off x="107572" y="546849"/>
+              <a:ext cx="3729317" cy="3443318"/>
+              <a:chOff x="107574" y="546849"/>
+              <a:chExt cx="3729317" cy="3443318"/>
+            </a:xfrm>
+          </p:grpSpPr>
+          <p:grpSp>
+            <p:nvGrpSpPr>
+              <p:cNvPr id="21" name="グループ化 20">
+                <a:extLst>
+                  <a:ext uri="{FF2B5EF4-FFF2-40B4-BE49-F238E27FC236}">
+                    <a16:creationId xmlns:a16="http://schemas.microsoft.com/office/drawing/2014/main" id="{AEB9CC3C-0983-4045-AADF-A57994ACDE15}"/>
+                  </a:ext>
+                </a:extLst>
+              </p:cNvPr>
+              <p:cNvGrpSpPr/>
+              <p:nvPr/>
+            </p:nvGrpSpPr>
+            <p:grpSpPr>
+              <a:xfrm>
+                <a:off x="107574" y="546849"/>
+                <a:ext cx="3729317" cy="2796988"/>
+                <a:chOff x="1479176" y="385482"/>
+                <a:chExt cx="3729317" cy="2796988"/>
+              </a:xfrm>
+            </p:grpSpPr>
+            <p:sp>
+              <p:nvSpPr>
+                <p:cNvPr id="4" name="正方形/長方形 3">
+                  <a:extLst>
+                    <a:ext uri="{FF2B5EF4-FFF2-40B4-BE49-F238E27FC236}">
+                      <a16:creationId xmlns:a16="http://schemas.microsoft.com/office/drawing/2014/main" id="{0945699E-BB65-E249-A1EF-98AB1BFB2A3C}"/>
+                    </a:ext>
+                  </a:extLst>
+                </p:cNvPr>
+                <p:cNvSpPr>
+                  <a:spLocks noChangeAspect="1"/>
+                </p:cNvSpPr>
+                <p:nvPr/>
+              </p:nvSpPr>
+              <p:spPr>
+                <a:xfrm>
+                  <a:off x="1479176" y="385482"/>
+                  <a:ext cx="3729317" cy="2796988"/>
+                </a:xfrm>
+                <a:prstGeom prst="rect">
+                  <a:avLst/>
+                </a:prstGeom>
+                <a:solidFill>
+                  <a:schemeClr val="tx1"/>
+                </a:solidFill>
+                <a:ln>
+                  <a:noFill/>
+                </a:ln>
+              </p:spPr>
+              <p:style>
+                <a:lnRef idx="2">
+                  <a:schemeClr val="accent1">
+                    <a:shade val="50000"/>
+                  </a:schemeClr>
+                </a:lnRef>
+                <a:fillRef idx="1">
+                  <a:schemeClr val="accent1"/>
+                </a:fillRef>
+                <a:effectRef idx="0">
+                  <a:schemeClr val="accent1"/>
+                </a:effectRef>
+                <a:fontRef idx="minor">
+                  <a:schemeClr val="lt1"/>
+                </a:fontRef>
+              </p:style>
+              <p:txBody>
+                <a:bodyPr rtlCol="0" anchor="ctr"/>
+                <a:lstStyle/>
+                <a:p>
+                  <a:pPr algn="ctr"/>
+                  <a:endParaRPr kumimoji="1" lang="ja-JP" altLang="en-US"/>
+                </a:p>
+              </p:txBody>
+            </p:sp>
+            <p:sp>
+              <p:nvSpPr>
+                <p:cNvPr id="5" name="正方形/長方形 4">
+                  <a:extLst>
+                    <a:ext uri="{FF2B5EF4-FFF2-40B4-BE49-F238E27FC236}">
+                      <a16:creationId xmlns:a16="http://schemas.microsoft.com/office/drawing/2014/main" id="{C619B4C9-3304-3C4D-9346-FBFC99221813}"/>
+                    </a:ext>
+                  </a:extLst>
+                </p:cNvPr>
+                <p:cNvSpPr>
+                  <a:spLocks noChangeAspect="1"/>
+                </p:cNvSpPr>
+                <p:nvPr/>
+              </p:nvSpPr>
+              <p:spPr>
+                <a:xfrm>
+                  <a:off x="2844798" y="1398494"/>
+                  <a:ext cx="1697319" cy="1272989"/>
+                </a:xfrm>
+                <a:prstGeom prst="rect">
+                  <a:avLst/>
+                </a:prstGeom>
+                <a:solidFill>
+                  <a:schemeClr val="bg1"/>
+                </a:solidFill>
+                <a:ln w="38100">
+                  <a:solidFill>
+                    <a:schemeClr val="tx1"/>
+                  </a:solidFill>
+                </a:ln>
+              </p:spPr>
+              <p:style>
+                <a:lnRef idx="2">
+                  <a:schemeClr val="accent1">
+                    <a:shade val="50000"/>
+                  </a:schemeClr>
+                </a:lnRef>
+                <a:fillRef idx="1">
+                  <a:schemeClr val="accent1"/>
+                </a:fillRef>
+                <a:effectRef idx="0">
+                  <a:schemeClr val="accent1"/>
+                </a:effectRef>
+                <a:fontRef idx="minor">
+                  <a:schemeClr val="lt1"/>
+                </a:fontRef>
+              </p:style>
+              <p:txBody>
+                <a:bodyPr rtlCol="0" anchor="ctr"/>
+                <a:lstStyle/>
+                <a:p>
+                  <a:pPr algn="ctr"/>
+                  <a:endParaRPr kumimoji="1" lang="ja-JP" altLang="en-US"/>
+                </a:p>
+              </p:txBody>
+            </p:sp>
+          </p:grpSp>
+          <p:sp>
+            <p:nvSpPr>
+              <p:cNvPr id="24" name="テキスト ボックス 23">
+                <a:extLst>
+                  <a:ext uri="{FF2B5EF4-FFF2-40B4-BE49-F238E27FC236}">
+                    <a16:creationId xmlns:a16="http://schemas.microsoft.com/office/drawing/2014/main" id="{B3B96A3A-6030-B841-853D-5F9983C3AC82}"/>
+                  </a:ext>
+                </a:extLst>
+              </p:cNvPr>
+              <p:cNvSpPr txBox="1"/>
+              <p:nvPr/>
+            </p:nvSpPr>
+            <p:spPr>
+              <a:xfrm>
+                <a:off x="107574" y="3343836"/>
+                <a:ext cx="3729316" cy="646331"/>
+              </a:xfrm>
+              <a:prstGeom prst="rect">
+                <a:avLst/>
+              </a:prstGeom>
+              <a:noFill/>
+            </p:spPr>
+            <p:txBody>
+              <a:bodyPr wrap="square" rtlCol="0">
+                <a:spAutoFit/>
+              </a:bodyPr>
+              <a:lstStyle/>
+              <a:p>
+                <a:pPr algn="ctr"/>
+                <a:r>
+                  <a:rPr lang="en-US" altLang="ja-JP" sz="3600">
+                    <a:latin typeface="Arial" panose="020B0604020202020204" pitchFamily="34" charset="0"/>
+                    <a:cs typeface="Arial" panose="020B0604020202020204" pitchFamily="34" charset="0"/>
+                  </a:rPr>
+                  <a:t>Ground Truth</a:t>
+                </a:r>
+              </a:p>
+            </p:txBody>
+          </p:sp>
+        </p:grpSp>
+        <p:grpSp>
+          <p:nvGrpSpPr>
+            <p:cNvPr id="32" name="グループ化 31">
+              <a:extLst>
+                <a:ext uri="{FF2B5EF4-FFF2-40B4-BE49-F238E27FC236}">
+                  <a16:creationId xmlns:a16="http://schemas.microsoft.com/office/drawing/2014/main" id="{835D45AE-72D5-C04E-914D-1C6ECC481AFE}"/>
+                </a:ext>
+              </a:extLst>
+            </p:cNvPr>
+            <p:cNvGrpSpPr/>
+            <p:nvPr/>
+          </p:nvGrpSpPr>
+          <p:grpSpPr>
+            <a:xfrm>
+              <a:off x="4225359" y="546849"/>
+              <a:ext cx="3729318" cy="3443319"/>
+              <a:chOff x="4225359" y="546849"/>
+              <a:chExt cx="3729318" cy="3443319"/>
+            </a:xfrm>
+          </p:grpSpPr>
+          <p:grpSp>
+            <p:nvGrpSpPr>
+              <p:cNvPr id="22" name="グループ化 21">
+                <a:extLst>
+                  <a:ext uri="{FF2B5EF4-FFF2-40B4-BE49-F238E27FC236}">
+                    <a16:creationId xmlns:a16="http://schemas.microsoft.com/office/drawing/2014/main" id="{437672A1-0234-E949-AFA5-F1650A98D55E}"/>
+                  </a:ext>
+                </a:extLst>
+              </p:cNvPr>
+              <p:cNvGrpSpPr/>
+              <p:nvPr/>
+            </p:nvGrpSpPr>
+            <p:grpSpPr>
+              <a:xfrm>
+                <a:off x="4225360" y="546849"/>
+                <a:ext cx="3729317" cy="2796988"/>
+                <a:chOff x="1541929" y="3684495"/>
+                <a:chExt cx="3729317" cy="2796988"/>
+              </a:xfrm>
+            </p:grpSpPr>
+            <p:sp>
+              <p:nvSpPr>
+                <p:cNvPr id="12" name="正方形/長方形 11">
+                  <a:extLst>
+                    <a:ext uri="{FF2B5EF4-FFF2-40B4-BE49-F238E27FC236}">
+                      <a16:creationId xmlns:a16="http://schemas.microsoft.com/office/drawing/2014/main" id="{AAC237F5-13C1-1444-831E-71D89BBB2811}"/>
+                    </a:ext>
+                  </a:extLst>
+                </p:cNvPr>
+                <p:cNvSpPr>
+                  <a:spLocks noChangeAspect="1"/>
+                </p:cNvSpPr>
+                <p:nvPr/>
+              </p:nvSpPr>
+              <p:spPr>
+                <a:xfrm>
+                  <a:off x="1541929" y="3684495"/>
+                  <a:ext cx="3729317" cy="2796988"/>
+                </a:xfrm>
+                <a:prstGeom prst="rect">
+                  <a:avLst/>
+                </a:prstGeom>
+                <a:solidFill>
+                  <a:schemeClr val="tx1"/>
+                </a:solidFill>
+                <a:ln>
+                  <a:noFill/>
+                </a:ln>
+              </p:spPr>
+              <p:style>
+                <a:lnRef idx="2">
+                  <a:schemeClr val="accent1">
+                    <a:shade val="50000"/>
+                  </a:schemeClr>
+                </a:lnRef>
+                <a:fillRef idx="1">
+                  <a:schemeClr val="accent1"/>
+                </a:fillRef>
+                <a:effectRef idx="0">
+                  <a:schemeClr val="accent1"/>
+                </a:effectRef>
+                <a:fontRef idx="minor">
+                  <a:schemeClr val="lt1"/>
+                </a:fontRef>
+              </p:style>
+              <p:txBody>
+                <a:bodyPr rtlCol="0" anchor="ctr"/>
+                <a:lstStyle/>
+                <a:p>
+                  <a:pPr algn="ctr"/>
+                  <a:endParaRPr kumimoji="1" lang="ja-JP" altLang="en-US"/>
+                </a:p>
+              </p:txBody>
+            </p:sp>
+            <p:sp>
+              <p:nvSpPr>
+                <p:cNvPr id="14" name="正方形/長方形 13">
+                  <a:extLst>
+                    <a:ext uri="{FF2B5EF4-FFF2-40B4-BE49-F238E27FC236}">
+                      <a16:creationId xmlns:a16="http://schemas.microsoft.com/office/drawing/2014/main" id="{A3666BBA-5DAF-8E42-98CC-7C391048536E}"/>
+                    </a:ext>
+                  </a:extLst>
+                </p:cNvPr>
+                <p:cNvSpPr>
+                  <a:spLocks noChangeAspect="1"/>
+                </p:cNvSpPr>
+                <p:nvPr/>
+              </p:nvSpPr>
+              <p:spPr>
+                <a:xfrm>
+                  <a:off x="2058891" y="4061012"/>
+                  <a:ext cx="1697319" cy="1272989"/>
+                </a:xfrm>
+                <a:prstGeom prst="rect">
+                  <a:avLst/>
+                </a:prstGeom>
+                <a:solidFill>
+                  <a:schemeClr val="bg1"/>
+                </a:solidFill>
+                <a:ln w="38100">
+                  <a:solidFill>
+                    <a:schemeClr val="tx1"/>
+                  </a:solidFill>
+                </a:ln>
+              </p:spPr>
+              <p:style>
+                <a:lnRef idx="2">
+                  <a:schemeClr val="accent1">
+                    <a:shade val="50000"/>
+                  </a:schemeClr>
+                </a:lnRef>
+                <a:fillRef idx="1">
+                  <a:schemeClr val="accent1"/>
+                </a:fillRef>
+                <a:effectRef idx="0">
+                  <a:schemeClr val="accent1"/>
+                </a:effectRef>
+                <a:fontRef idx="minor">
+                  <a:schemeClr val="lt1"/>
+                </a:fontRef>
+              </p:style>
+              <p:txBody>
+                <a:bodyPr rtlCol="0" anchor="ctr"/>
+                <a:lstStyle/>
+                <a:p>
+                  <a:pPr algn="ctr"/>
+                  <a:endParaRPr kumimoji="1" lang="ja-JP" altLang="en-US"/>
+                </a:p>
+              </p:txBody>
+            </p:sp>
+          </p:grpSp>
+          <p:sp>
+            <p:nvSpPr>
+              <p:cNvPr id="25" name="テキスト ボックス 24">
+                <a:extLst>
+                  <a:ext uri="{FF2B5EF4-FFF2-40B4-BE49-F238E27FC236}">
+                    <a16:creationId xmlns:a16="http://schemas.microsoft.com/office/drawing/2014/main" id="{E828BB9B-AD1C-4A43-84A9-57C2F1492451}"/>
+                  </a:ext>
+                </a:extLst>
+              </p:cNvPr>
+              <p:cNvSpPr txBox="1"/>
+              <p:nvPr/>
+            </p:nvSpPr>
+            <p:spPr>
+              <a:xfrm>
+                <a:off x="4225359" y="3343837"/>
+                <a:ext cx="3729317" cy="646331"/>
+              </a:xfrm>
+              <a:prstGeom prst="rect">
+                <a:avLst/>
+              </a:prstGeom>
+              <a:noFill/>
+            </p:spPr>
+            <p:txBody>
+              <a:bodyPr wrap="square" rtlCol="0">
+                <a:spAutoFit/>
+              </a:bodyPr>
+              <a:lstStyle/>
+              <a:p>
+                <a:pPr algn="ctr"/>
+                <a:r>
+                  <a:rPr lang="en-US" altLang="ja-JP" sz="3600">
+                    <a:latin typeface="Arial" panose="020B0604020202020204" pitchFamily="34" charset="0"/>
+                    <a:cs typeface="Arial" panose="020B0604020202020204" pitchFamily="34" charset="0"/>
+                  </a:rPr>
+                  <a:t>Predicted Image</a:t>
+                </a:r>
+              </a:p>
+            </p:txBody>
+          </p:sp>
+        </p:grpSp>
+        <p:grpSp>
+          <p:nvGrpSpPr>
+            <p:cNvPr id="33" name="グループ化 32">
+              <a:extLst>
+                <a:ext uri="{FF2B5EF4-FFF2-40B4-BE49-F238E27FC236}">
+                  <a16:creationId xmlns:a16="http://schemas.microsoft.com/office/drawing/2014/main" id="{2A56B6C7-3329-2942-B69B-B6231159169F}"/>
+                </a:ext>
+              </a:extLst>
+            </p:cNvPr>
+            <p:cNvGrpSpPr/>
+            <p:nvPr/>
+          </p:nvGrpSpPr>
+          <p:grpSpPr>
+            <a:xfrm>
+              <a:off x="8343146" y="546849"/>
+              <a:ext cx="3729317" cy="3443318"/>
+              <a:chOff x="8343146" y="546849"/>
+              <a:chExt cx="3729317" cy="3443318"/>
+            </a:xfrm>
+          </p:grpSpPr>
+          <p:sp>
+            <p:nvSpPr>
+              <p:cNvPr id="26" name="テキスト ボックス 25">
+                <a:extLst>
+                  <a:ext uri="{FF2B5EF4-FFF2-40B4-BE49-F238E27FC236}">
+                    <a16:creationId xmlns:a16="http://schemas.microsoft.com/office/drawing/2014/main" id="{F92B4844-C424-314B-B3B9-498374B0EBB9}"/>
+                  </a:ext>
+                </a:extLst>
+              </p:cNvPr>
+              <p:cNvSpPr txBox="1"/>
+              <p:nvPr/>
+            </p:nvSpPr>
+            <p:spPr>
+              <a:xfrm>
+                <a:off x="8343146" y="3343836"/>
+                <a:ext cx="3729317" cy="646331"/>
+              </a:xfrm>
+              <a:prstGeom prst="rect">
+                <a:avLst/>
+              </a:prstGeom>
+              <a:noFill/>
+            </p:spPr>
+            <p:txBody>
+              <a:bodyPr wrap="square" rtlCol="0">
+                <a:spAutoFit/>
+              </a:bodyPr>
+              <a:lstStyle/>
+              <a:p>
+                <a:pPr algn="ctr"/>
+                <a:r>
+                  <a:rPr lang="en-US" altLang="ja-JP" sz="3600">
+                    <a:latin typeface="Arial" panose="020B0604020202020204" pitchFamily="34" charset="0"/>
+                    <a:cs typeface="Arial" panose="020B0604020202020204" pitchFamily="34" charset="0"/>
+                  </a:rPr>
+                  <a:t>IoU</a:t>
+                </a:r>
+              </a:p>
+            </p:txBody>
+          </p:sp>
+          <p:grpSp>
+            <p:nvGrpSpPr>
+              <p:cNvPr id="30" name="グループ化 29">
+                <a:extLst>
+                  <a:ext uri="{FF2B5EF4-FFF2-40B4-BE49-F238E27FC236}">
+                    <a16:creationId xmlns:a16="http://schemas.microsoft.com/office/drawing/2014/main" id="{2EA91B0F-619A-8E4C-A7AC-99213F6B796A}"/>
+                  </a:ext>
+                </a:extLst>
+              </p:cNvPr>
+              <p:cNvGrpSpPr/>
+              <p:nvPr/>
+            </p:nvGrpSpPr>
+            <p:grpSpPr>
+              <a:xfrm>
+                <a:off x="8343146" y="546849"/>
+                <a:ext cx="3729317" cy="2796988"/>
+                <a:chOff x="8343146" y="546849"/>
+                <a:chExt cx="3729317" cy="2796988"/>
+              </a:xfrm>
+            </p:grpSpPr>
+            <p:grpSp>
+              <p:nvGrpSpPr>
+                <p:cNvPr id="23" name="グループ化 22">
+                  <a:extLst>
+                    <a:ext uri="{FF2B5EF4-FFF2-40B4-BE49-F238E27FC236}">
+                      <a16:creationId xmlns:a16="http://schemas.microsoft.com/office/drawing/2014/main" id="{9B5F2EC5-4E93-B14F-8FA3-F6DCB84487F4}"/>
+                    </a:ext>
+                  </a:extLst>
+                </p:cNvPr>
+                <p:cNvGrpSpPr/>
+                <p:nvPr/>
+              </p:nvGrpSpPr>
+              <p:grpSpPr>
+                <a:xfrm>
+                  <a:off x="8343146" y="546849"/>
+                  <a:ext cx="3729317" cy="2796988"/>
+                  <a:chOff x="6705600" y="3684495"/>
+                  <a:chExt cx="3729317" cy="2796988"/>
+                </a:xfrm>
+              </p:grpSpPr>
+              <p:sp>
+                <p:nvSpPr>
+                  <p:cNvPr id="15" name="正方形/長方形 14">
+                    <a:extLst>
+                      <a:ext uri="{FF2B5EF4-FFF2-40B4-BE49-F238E27FC236}">
+                        <a16:creationId xmlns:a16="http://schemas.microsoft.com/office/drawing/2014/main" id="{76B127FB-CFCF-FE40-A4D0-86BF45722E57}"/>
+                      </a:ext>
+                    </a:extLst>
+                  </p:cNvPr>
+                  <p:cNvSpPr>
+                    <a:spLocks noChangeAspect="1"/>
+                  </p:cNvSpPr>
+                  <p:nvPr/>
+                </p:nvSpPr>
+                <p:spPr>
+                  <a:xfrm>
+                    <a:off x="6705600" y="3684495"/>
+                    <a:ext cx="3729317" cy="2796988"/>
+                  </a:xfrm>
+                  <a:prstGeom prst="rect">
+                    <a:avLst/>
+                  </a:prstGeom>
+                  <a:solidFill>
+                    <a:schemeClr val="tx1"/>
+                  </a:solidFill>
+                  <a:ln>
+                    <a:noFill/>
+                  </a:ln>
+                </p:spPr>
+                <p:style>
+                  <a:lnRef idx="2">
+                    <a:schemeClr val="accent1">
+                      <a:shade val="50000"/>
+                    </a:schemeClr>
+                  </a:lnRef>
+                  <a:fillRef idx="1">
+                    <a:schemeClr val="accent1"/>
+                  </a:fillRef>
+                  <a:effectRef idx="0">
+                    <a:schemeClr val="accent1"/>
+                  </a:effectRef>
+                  <a:fontRef idx="minor">
+                    <a:schemeClr val="lt1"/>
+                  </a:fontRef>
+                </p:style>
+                <p:txBody>
+                  <a:bodyPr rtlCol="0" anchor="ctr"/>
+                  <a:lstStyle/>
+                  <a:p>
+                    <a:pPr algn="ctr"/>
+                    <a:endParaRPr kumimoji="1" lang="ja-JP" altLang="en-US"/>
+                  </a:p>
+                </p:txBody>
+              </p:sp>
+              <p:sp>
+                <p:nvSpPr>
+                  <p:cNvPr id="16" name="正方形/長方形 15">
+                    <a:extLst>
+                      <a:ext uri="{FF2B5EF4-FFF2-40B4-BE49-F238E27FC236}">
+                        <a16:creationId xmlns:a16="http://schemas.microsoft.com/office/drawing/2014/main" id="{D864028E-85D6-2C42-851D-BBAC13052B57}"/>
+                      </a:ext>
+                    </a:extLst>
+                  </p:cNvPr>
+                  <p:cNvSpPr>
+                    <a:spLocks noChangeAspect="1"/>
+                  </p:cNvSpPr>
+                  <p:nvPr/>
+                </p:nvSpPr>
+                <p:spPr>
+                  <a:xfrm>
+                    <a:off x="8071222" y="4697507"/>
+                    <a:ext cx="1697319" cy="1272989"/>
+                  </a:xfrm>
+                  <a:prstGeom prst="rect">
+                    <a:avLst/>
+                  </a:prstGeom>
+                  <a:solidFill>
+                    <a:srgbClr val="C00000"/>
+                  </a:solidFill>
+                  <a:ln w="38100">
+                    <a:solidFill>
+                      <a:schemeClr val="tx1"/>
+                    </a:solidFill>
+                  </a:ln>
+                </p:spPr>
+                <p:style>
+                  <a:lnRef idx="2">
+                    <a:schemeClr val="accent1">
+                      <a:shade val="50000"/>
+                    </a:schemeClr>
+                  </a:lnRef>
+                  <a:fillRef idx="1">
+                    <a:schemeClr val="accent1"/>
+                  </a:fillRef>
+                  <a:effectRef idx="0">
+                    <a:schemeClr val="accent1"/>
+                  </a:effectRef>
+                  <a:fontRef idx="minor">
+                    <a:schemeClr val="lt1"/>
+                  </a:fontRef>
+                </p:style>
+                <p:txBody>
+                  <a:bodyPr rtlCol="0" anchor="ctr"/>
+                  <a:lstStyle/>
+                  <a:p>
+                    <a:pPr algn="ctr"/>
+                    <a:endParaRPr kumimoji="1" lang="ja-JP" altLang="en-US"/>
+                  </a:p>
+                </p:txBody>
+              </p:sp>
+              <p:sp>
+                <p:nvSpPr>
+                  <p:cNvPr id="17" name="正方形/長方形 16">
+                    <a:extLst>
+                      <a:ext uri="{FF2B5EF4-FFF2-40B4-BE49-F238E27FC236}">
+                        <a16:creationId xmlns:a16="http://schemas.microsoft.com/office/drawing/2014/main" id="{206A425A-CED5-074C-9BE1-09AE2D8F1225}"/>
+                      </a:ext>
+                    </a:extLst>
+                  </p:cNvPr>
+                  <p:cNvSpPr>
+                    <a:spLocks noChangeAspect="1"/>
+                  </p:cNvSpPr>
+                  <p:nvPr/>
+                </p:nvSpPr>
+                <p:spPr>
+                  <a:xfrm>
+                    <a:off x="7222562" y="4061012"/>
+                    <a:ext cx="1697319" cy="1272989"/>
+                  </a:xfrm>
+                  <a:prstGeom prst="rect">
+                    <a:avLst/>
+                  </a:prstGeom>
+                  <a:solidFill>
+                    <a:srgbClr val="FFC000"/>
+                  </a:solidFill>
+                  <a:ln w="38100">
+                    <a:solidFill>
+                      <a:schemeClr val="tx1"/>
+                    </a:solidFill>
+                  </a:ln>
+                </p:spPr>
+                <p:style>
+                  <a:lnRef idx="2">
+                    <a:schemeClr val="accent1">
+                      <a:shade val="50000"/>
+                    </a:schemeClr>
+                  </a:lnRef>
+                  <a:fillRef idx="1">
+                    <a:schemeClr val="accent1"/>
+                  </a:fillRef>
+                  <a:effectRef idx="0">
+                    <a:schemeClr val="accent1"/>
+                  </a:effectRef>
+                  <a:fontRef idx="minor">
+                    <a:schemeClr val="lt1"/>
+                  </a:fontRef>
+                </p:style>
+                <p:txBody>
+                  <a:bodyPr rtlCol="0" anchor="ctr"/>
+                  <a:lstStyle/>
+                  <a:p>
+                    <a:pPr algn="ctr"/>
+                    <a:endParaRPr kumimoji="1" lang="ja-JP" altLang="en-US"/>
+                  </a:p>
+                </p:txBody>
+              </p:sp>
+              <p:sp>
+                <p:nvSpPr>
+                  <p:cNvPr id="20" name="フリーフォーム 19">
+                    <a:extLst>
+                      <a:ext uri="{FF2B5EF4-FFF2-40B4-BE49-F238E27FC236}">
+                        <a16:creationId xmlns:a16="http://schemas.microsoft.com/office/drawing/2014/main" id="{FF73A55A-1ACA-7B41-B597-950D6D67E1DA}"/>
+                      </a:ext>
+                    </a:extLst>
+                  </p:cNvPr>
+                  <p:cNvSpPr>
+                    <a:spLocks noChangeAspect="1"/>
+                  </p:cNvSpPr>
+                  <p:nvPr/>
+                </p:nvSpPr>
+                <p:spPr>
+                  <a:xfrm>
+                    <a:off x="8071221" y="4697506"/>
+                    <a:ext cx="848659" cy="636494"/>
+                  </a:xfrm>
+                  <a:custGeom>
+                    <a:avLst/>
+                    <a:gdLst>
+                      <a:gd name="connsiteX0" fmla="*/ 0 w 848659"/>
+                      <a:gd name="connsiteY0" fmla="*/ 0 h 636494"/>
+                      <a:gd name="connsiteX1" fmla="*/ 848659 w 848659"/>
+                      <a:gd name="connsiteY1" fmla="*/ 0 h 636494"/>
+                      <a:gd name="connsiteX2" fmla="*/ 848659 w 848659"/>
+                      <a:gd name="connsiteY2" fmla="*/ 636494 h 636494"/>
+                      <a:gd name="connsiteX3" fmla="*/ 0 w 848659"/>
+                      <a:gd name="connsiteY3" fmla="*/ 636494 h 636494"/>
+                    </a:gdLst>
+                    <a:ahLst/>
+                    <a:cxnLst>
+                      <a:cxn ang="0">
+                        <a:pos x="connsiteX0" y="connsiteY0"/>
+                      </a:cxn>
+                      <a:cxn ang="0">
+                        <a:pos x="connsiteX1" y="connsiteY1"/>
+                      </a:cxn>
+                      <a:cxn ang="0">
+                        <a:pos x="connsiteX2" y="connsiteY2"/>
+                      </a:cxn>
+                      <a:cxn ang="0">
+                        <a:pos x="connsiteX3" y="connsiteY3"/>
+                      </a:cxn>
+                    </a:cxnLst>
+                    <a:rect l="l" t="t" r="r" b="b"/>
+                    <a:pathLst>
+                      <a:path w="848659" h="636494">
+                        <a:moveTo>
+                          <a:pt x="0" y="0"/>
+                        </a:moveTo>
+                        <a:lnTo>
+                          <a:pt x="848659" y="0"/>
+                        </a:lnTo>
+                        <a:lnTo>
+                          <a:pt x="848659" y="636494"/>
+                        </a:lnTo>
+                        <a:lnTo>
+                          <a:pt x="0" y="636494"/>
+                        </a:lnTo>
+                        <a:close/>
+                      </a:path>
+                    </a:pathLst>
+                  </a:custGeom>
+                  <a:solidFill>
+                    <a:srgbClr val="00B050"/>
+                  </a:solidFill>
+                  <a:ln w="38100">
+                    <a:solidFill>
+                      <a:schemeClr val="tx1"/>
+                    </a:solidFill>
+                  </a:ln>
+                </p:spPr>
+                <p:style>
+                  <a:lnRef idx="2">
+                    <a:schemeClr val="accent1">
+                      <a:shade val="50000"/>
+                    </a:schemeClr>
+                  </a:lnRef>
+                  <a:fillRef idx="1">
+                    <a:schemeClr val="accent1"/>
+                  </a:fillRef>
+                  <a:effectRef idx="0">
+                    <a:schemeClr val="accent1"/>
+                  </a:effectRef>
+                  <a:fontRef idx="minor">
+                    <a:schemeClr val="lt1"/>
+                  </a:fontRef>
+                </p:style>
+                <p:txBody>
+                  <a:bodyPr rtlCol="0" anchor="ctr"/>
+                  <a:lstStyle/>
+                  <a:p>
+                    <a:pPr algn="ctr"/>
+                    <a:endParaRPr kumimoji="1" lang="ja-JP" altLang="en-US"/>
+                  </a:p>
+                </p:txBody>
+              </p:sp>
+            </p:grpSp>
+            <p:sp>
+              <p:nvSpPr>
+                <p:cNvPr id="27" name="四角形吹き出し 26">
+                  <a:extLst>
+                    <a:ext uri="{FF2B5EF4-FFF2-40B4-BE49-F238E27FC236}">
+                      <a16:creationId xmlns:a16="http://schemas.microsoft.com/office/drawing/2014/main" id="{69603112-B575-E84F-BB0B-B19F8FDD6CA5}"/>
+                    </a:ext>
+                  </a:extLst>
+                </p:cNvPr>
+                <p:cNvSpPr/>
+                <p:nvPr/>
+              </p:nvSpPr>
+              <p:spPr>
+                <a:xfrm>
+                  <a:off x="8528406" y="2303930"/>
+                  <a:ext cx="742668" cy="537884"/>
+                </a:xfrm>
+                <a:prstGeom prst="wedgeRectCallout">
+                  <a:avLst>
+                    <a:gd name="adj1" fmla="val 36672"/>
+                    <a:gd name="adj2" fmla="val -102499"/>
+                  </a:avLst>
+                </a:prstGeom>
+                <a:solidFill>
+                  <a:srgbClr val="FFC000"/>
+                </a:solidFill>
+                <a:ln w="38100">
+                  <a:solidFill>
+                    <a:schemeClr val="tx1"/>
+                  </a:solidFill>
+                </a:ln>
+              </p:spPr>
+              <p:style>
+                <a:lnRef idx="2">
+                  <a:schemeClr val="accent1">
+                    <a:shade val="50000"/>
+                  </a:schemeClr>
+                </a:lnRef>
+                <a:fillRef idx="1">
+                  <a:schemeClr val="accent1"/>
+                </a:fillRef>
+                <a:effectRef idx="0">
+                  <a:schemeClr val="accent1"/>
+                </a:effectRef>
+                <a:fontRef idx="minor">
+                  <a:schemeClr val="lt1"/>
+                </a:fontRef>
+              </p:style>
+              <p:txBody>
+                <a:bodyPr rtlCol="0" anchor="ctr"/>
+                <a:lstStyle/>
+                <a:p>
+                  <a:pPr algn="ctr"/>
+                  <a:r>
+                    <a:rPr kumimoji="1" lang="en-US" altLang="ja-JP" sz="2800" b="1">
+                      <a:solidFill>
+                        <a:schemeClr val="tx1"/>
+                      </a:solidFill>
+                    </a:rPr>
+                    <a:t>FP</a:t>
+                  </a:r>
+                  <a:endParaRPr kumimoji="1" lang="ja-JP" altLang="en-US" sz="2800" b="1">
+                    <a:solidFill>
+                      <a:schemeClr val="tx1"/>
+                    </a:solidFill>
+                  </a:endParaRPr>
+                </a:p>
+              </p:txBody>
+            </p:sp>
+            <p:sp>
+              <p:nvSpPr>
+                <p:cNvPr id="28" name="四角形吹き出し 27">
+                  <a:extLst>
+                    <a:ext uri="{FF2B5EF4-FFF2-40B4-BE49-F238E27FC236}">
+                      <a16:creationId xmlns:a16="http://schemas.microsoft.com/office/drawing/2014/main" id="{51E05B8C-BDC8-3940-B582-8B8801DE87BE}"/>
+                    </a:ext>
+                  </a:extLst>
+                </p:cNvPr>
+                <p:cNvSpPr/>
+                <p:nvPr/>
+              </p:nvSpPr>
+              <p:spPr>
+                <a:xfrm>
+                  <a:off x="10051621" y="2474260"/>
+                  <a:ext cx="742668" cy="537884"/>
+                </a:xfrm>
+                <a:prstGeom prst="wedgeRectCallout">
+                  <a:avLst>
+                    <a:gd name="adj1" fmla="val -28013"/>
+                    <a:gd name="adj2" fmla="val -114166"/>
+                  </a:avLst>
+                </a:prstGeom>
+                <a:solidFill>
+                  <a:srgbClr val="00B050"/>
+                </a:solidFill>
+                <a:ln w="38100">
+                  <a:solidFill>
+                    <a:schemeClr val="tx1"/>
+                  </a:solidFill>
+                </a:ln>
+              </p:spPr>
+              <p:style>
+                <a:lnRef idx="2">
+                  <a:schemeClr val="accent1">
+                    <a:shade val="50000"/>
+                  </a:schemeClr>
+                </a:lnRef>
+                <a:fillRef idx="1">
+                  <a:schemeClr val="accent1"/>
+                </a:fillRef>
+                <a:effectRef idx="0">
+                  <a:schemeClr val="accent1"/>
+                </a:effectRef>
+                <a:fontRef idx="minor">
+                  <a:schemeClr val="lt1"/>
+                </a:fontRef>
+              </p:style>
+              <p:txBody>
+                <a:bodyPr rtlCol="0" anchor="ctr"/>
+                <a:lstStyle/>
+                <a:p>
+                  <a:pPr algn="ctr"/>
+                  <a:r>
+                    <a:rPr lang="en-US" altLang="ja-JP" sz="2800" b="1">
+                      <a:solidFill>
+                        <a:schemeClr val="tx1"/>
+                      </a:solidFill>
+                    </a:rPr>
+                    <a:t>T</a:t>
+                  </a:r>
+                  <a:r>
+                    <a:rPr kumimoji="1" lang="en-US" altLang="ja-JP" sz="2800" b="1">
+                      <a:solidFill>
+                        <a:schemeClr val="tx1"/>
+                      </a:solidFill>
+                    </a:rPr>
+                    <a:t>P</a:t>
+                  </a:r>
+                  <a:endParaRPr kumimoji="1" lang="ja-JP" altLang="en-US" sz="2800" b="1">
+                    <a:solidFill>
+                      <a:schemeClr val="tx1"/>
+                    </a:solidFill>
+                  </a:endParaRPr>
+                </a:p>
+              </p:txBody>
+            </p:sp>
+            <p:sp>
+              <p:nvSpPr>
+                <p:cNvPr id="29" name="四角形吹き出し 28">
+                  <a:extLst>
+                    <a:ext uri="{FF2B5EF4-FFF2-40B4-BE49-F238E27FC236}">
+                      <a16:creationId xmlns:a16="http://schemas.microsoft.com/office/drawing/2014/main" id="{94D5B81F-3FBD-7445-A827-7F214FE1E9DD}"/>
+                    </a:ext>
+                  </a:extLst>
+                </p:cNvPr>
+                <p:cNvSpPr/>
+                <p:nvPr/>
+              </p:nvSpPr>
+              <p:spPr>
+                <a:xfrm>
+                  <a:off x="11182757" y="923366"/>
+                  <a:ext cx="742668" cy="537884"/>
+                </a:xfrm>
+                <a:prstGeom prst="wedgeRectCallout">
+                  <a:avLst>
+                    <a:gd name="adj1" fmla="val -47824"/>
+                    <a:gd name="adj2" fmla="val 84166"/>
+                  </a:avLst>
+                </a:prstGeom>
+                <a:solidFill>
+                  <a:srgbClr val="C00000"/>
+                </a:solidFill>
+                <a:ln w="38100">
+                  <a:solidFill>
+                    <a:schemeClr val="tx1"/>
+                  </a:solidFill>
+                </a:ln>
+              </p:spPr>
+              <p:style>
+                <a:lnRef idx="2">
+                  <a:schemeClr val="accent1">
+                    <a:shade val="50000"/>
+                  </a:schemeClr>
+                </a:lnRef>
+                <a:fillRef idx="1">
+                  <a:schemeClr val="accent1"/>
+                </a:fillRef>
+                <a:effectRef idx="0">
+                  <a:schemeClr val="accent1"/>
+                </a:effectRef>
+                <a:fontRef idx="minor">
+                  <a:schemeClr val="lt1"/>
+                </a:fontRef>
+              </p:style>
+              <p:txBody>
+                <a:bodyPr rtlCol="0" anchor="ctr"/>
+                <a:lstStyle/>
+                <a:p>
+                  <a:pPr algn="ctr"/>
+                  <a:r>
+                    <a:rPr kumimoji="1" lang="en-US" altLang="ja-JP" sz="2800" b="1">
+                      <a:solidFill>
+                        <a:schemeClr val="bg1"/>
+                      </a:solidFill>
+                    </a:rPr>
+                    <a:t>FN</a:t>
+                  </a:r>
+                  <a:endParaRPr kumimoji="1" lang="ja-JP" altLang="en-US" sz="2800" b="1">
+                    <a:solidFill>
+                      <a:schemeClr val="bg1"/>
+                    </a:solidFill>
+                  </a:endParaRPr>
+                </a:p>
+              </p:txBody>
+            </p:sp>
+          </p:grpSp>
+        </p:grpSp>
+      </p:grpSp>
+    </p:spTree>
+    <p:extLst>
+      <p:ext uri="{BB962C8B-B14F-4D97-AF65-F5344CB8AC3E}">
+        <p14:creationId xmlns:p14="http://schemas.microsoft.com/office/powerpoint/2010/main" val="1391312072"/>
+      </p:ext>
+    </p:extLst>
+  </p:cSld>
+  <p:clrMapOvr>
+    <a:masterClrMapping/>
+  </p:clrMapOvr>
+</p:sld>
+</file>
+
+<file path=ppt/slides/slide2.xml><?xml version="1.0" encoding="utf-8"?>
+<p:sld xmlns:a="http://schemas.openxmlformats.org/drawingml/2006/main" xmlns:r="http://schemas.openxmlformats.org/officeDocument/2006/relationships" xmlns:p="http://schemas.openxmlformats.org/presentationml/2006/main">
+  <p:cSld>
+    <p:spTree>
+      <p:nvGrpSpPr>
+        <p:cNvPr id="1" name=""/>
+        <p:cNvGrpSpPr/>
+        <p:nvPr/>
+      </p:nvGrpSpPr>
+      <p:grpSpPr>
+        <a:xfrm>
+          <a:off x="0" y="0"/>
+          <a:ext cx="0" cy="0"/>
+          <a:chOff x="0" y="0"/>
+          <a:chExt cx="0" cy="0"/>
+        </a:xfrm>
+      </p:grpSpPr>
       <p:sp>
         <p:nvSpPr>
           <p:cNvPr id="6" name="正方形/長方形 5">
@@ -3695,6 +4715,126 @@
     <p:extLst>
       <p:ext uri="{BB962C8B-B14F-4D97-AF65-F5344CB8AC3E}">
         <p14:creationId xmlns:p14="http://schemas.microsoft.com/office/powerpoint/2010/main" val="3377429568"/>
+      </p:ext>
+    </p:extLst>
+  </p:cSld>
+  <p:clrMapOvr>
+    <a:masterClrMapping/>
+  </p:clrMapOvr>
+</p:sld>
+</file>
+
+<file path=ppt/slides/slide3.xml><?xml version="1.0" encoding="utf-8"?>
+<p:sld xmlns:a="http://schemas.openxmlformats.org/drawingml/2006/main" xmlns:r="http://schemas.openxmlformats.org/officeDocument/2006/relationships" xmlns:p="http://schemas.openxmlformats.org/presentationml/2006/main">
+  <p:cSld>
+    <p:spTree>
+      <p:nvGrpSpPr>
+        <p:cNvPr id="1" name=""/>
+        <p:cNvGrpSpPr/>
+        <p:nvPr/>
+      </p:nvGrpSpPr>
+      <p:grpSpPr>
+        <a:xfrm>
+          <a:off x="0" y="0"/>
+          <a:ext cx="0" cy="0"/>
+          <a:chOff x="0" y="0"/>
+          <a:chExt cx="0" cy="0"/>
+        </a:xfrm>
+      </p:grpSpPr>
+    </p:spTree>
+    <p:extLst>
+      <p:ext uri="{BB962C8B-B14F-4D97-AF65-F5344CB8AC3E}">
+        <p14:creationId xmlns:p14="http://schemas.microsoft.com/office/powerpoint/2010/main" val="3786035806"/>
+      </p:ext>
+    </p:extLst>
+  </p:cSld>
+  <p:clrMapOvr>
+    <a:masterClrMapping/>
+  </p:clrMapOvr>
+</p:sld>
+</file>
+
+<file path=ppt/slides/slide4.xml><?xml version="1.0" encoding="utf-8"?>
+<p:sld xmlns:a="http://schemas.openxmlformats.org/drawingml/2006/main" xmlns:r="http://schemas.openxmlformats.org/officeDocument/2006/relationships" xmlns:p="http://schemas.openxmlformats.org/presentationml/2006/main">
+  <p:cSld>
+    <p:spTree>
+      <p:nvGrpSpPr>
+        <p:cNvPr id="1" name=""/>
+        <p:cNvGrpSpPr/>
+        <p:nvPr/>
+      </p:nvGrpSpPr>
+      <p:grpSpPr>
+        <a:xfrm>
+          <a:off x="0" y="0"/>
+          <a:ext cx="0" cy="0"/>
+          <a:chOff x="0" y="0"/>
+          <a:chExt cx="0" cy="0"/>
+        </a:xfrm>
+      </p:grpSpPr>
+    </p:spTree>
+    <p:extLst>
+      <p:ext uri="{BB962C8B-B14F-4D97-AF65-F5344CB8AC3E}">
+        <p14:creationId xmlns:p14="http://schemas.microsoft.com/office/powerpoint/2010/main" val="2801195379"/>
+      </p:ext>
+    </p:extLst>
+  </p:cSld>
+  <p:clrMapOvr>
+    <a:masterClrMapping/>
+  </p:clrMapOvr>
+</p:sld>
+</file>
+
+<file path=ppt/slides/slide5.xml><?xml version="1.0" encoding="utf-8"?>
+<p:sld xmlns:a="http://schemas.openxmlformats.org/drawingml/2006/main" xmlns:r="http://schemas.openxmlformats.org/officeDocument/2006/relationships" xmlns:p="http://schemas.openxmlformats.org/presentationml/2006/main">
+  <p:cSld>
+    <p:spTree>
+      <p:nvGrpSpPr>
+        <p:cNvPr id="1" name=""/>
+        <p:cNvGrpSpPr/>
+        <p:nvPr/>
+      </p:nvGrpSpPr>
+      <p:grpSpPr>
+        <a:xfrm>
+          <a:off x="0" y="0"/>
+          <a:ext cx="0" cy="0"/>
+          <a:chOff x="0" y="0"/>
+          <a:chExt cx="0" cy="0"/>
+        </a:xfrm>
+      </p:grpSpPr>
+    </p:spTree>
+    <p:extLst>
+      <p:ext uri="{BB962C8B-B14F-4D97-AF65-F5344CB8AC3E}">
+        <p14:creationId xmlns:p14="http://schemas.microsoft.com/office/powerpoint/2010/main" val="963267928"/>
+      </p:ext>
+    </p:extLst>
+  </p:cSld>
+  <p:clrMapOvr>
+    <a:masterClrMapping/>
+  </p:clrMapOvr>
+</p:sld>
+</file>
+
+<file path=ppt/slides/slide6.xml><?xml version="1.0" encoding="utf-8"?>
+<p:sld xmlns:a="http://schemas.openxmlformats.org/drawingml/2006/main" xmlns:r="http://schemas.openxmlformats.org/officeDocument/2006/relationships" xmlns:p="http://schemas.openxmlformats.org/presentationml/2006/main">
+  <p:cSld>
+    <p:spTree>
+      <p:nvGrpSpPr>
+        <p:cNvPr id="1" name=""/>
+        <p:cNvGrpSpPr/>
+        <p:nvPr/>
+      </p:nvGrpSpPr>
+      <p:grpSpPr>
+        <a:xfrm>
+          <a:off x="0" y="0"/>
+          <a:ext cx="0" cy="0"/>
+          <a:chOff x="0" y="0"/>
+          <a:chExt cx="0" cy="0"/>
+        </a:xfrm>
+      </p:grpSpPr>
+    </p:spTree>
+    <p:extLst>
+      <p:ext uri="{BB962C8B-B14F-4D97-AF65-F5344CB8AC3E}">
+        <p14:creationId xmlns:p14="http://schemas.microsoft.com/office/powerpoint/2010/main" val="3940076452"/>
       </p:ext>
     </p:extLst>
   </p:cSld>

--- a/figure/figure.pptx
+++ b/figure/figure.pptx
@@ -4635,8 +4635,8 @@
         </p:nvSpPr>
         <p:spPr>
           <a:xfrm>
-            <a:off x="1556240" y="2285999"/>
-            <a:ext cx="1380394" cy="1116623"/>
+            <a:off x="7843341" y="2434177"/>
+            <a:ext cx="1339360" cy="1055250"/>
           </a:xfrm>
           <a:prstGeom prst="rect">
             <a:avLst/>
@@ -4671,7 +4671,19 @@
           <a:lstStyle/>
           <a:p>
             <a:pPr algn="ctr"/>
-            <a:endParaRPr kumimoji="1" lang="ja-JP" altLang="en-US"/>
+            <a:r>
+              <a:rPr lang="ja-JP" altLang="en-US">
+                <a:solidFill>
+                  <a:schemeClr val="tx1"/>
+                </a:solidFill>
+              </a:rPr>
+              <a:t>色抽出</a:t>
+            </a:r>
+            <a:endParaRPr kumimoji="1" lang="ja-JP" altLang="en-US">
+              <a:solidFill>
+                <a:schemeClr val="tx1"/>
+              </a:solidFill>
+            </a:endParaRPr>
           </a:p>
         </p:txBody>
       </p:sp>
@@ -4689,7 +4701,7 @@
           </p:cNvPicPr>
           <p:nvPr/>
         </p:nvPicPr>
-        <p:blipFill>
+        <p:blipFill rotWithShape="1">
           <a:blip r:embed="rId2">
             <a:extLst>
               <a:ext uri="{96DAC541-7B7A-43D3-8B79-37D633B846F1}">
@@ -4697,20 +4709,751 @@
               </a:ext>
             </a:extLst>
           </a:blip>
-          <a:stretch>
-            <a:fillRect/>
-          </a:stretch>
+          <a:srcRect l="18375" r="18712"/>
+          <a:stretch/>
         </p:blipFill>
         <p:spPr>
           <a:xfrm>
-            <a:off x="90852" y="2154115"/>
-            <a:ext cx="1380393" cy="1380393"/>
+            <a:off x="6093802" y="894596"/>
+            <a:ext cx="820358" cy="1303977"/>
           </a:xfrm>
           <a:prstGeom prst="rect">
             <a:avLst/>
           </a:prstGeom>
         </p:spPr>
       </p:pic>
+      <p:pic>
+        <p:nvPicPr>
+          <p:cNvPr id="5" name="グラフィックス 4" descr="画像">
+            <a:extLst>
+              <a:ext uri="{FF2B5EF4-FFF2-40B4-BE49-F238E27FC236}">
+                <a16:creationId xmlns:a16="http://schemas.microsoft.com/office/drawing/2014/main" id="{21A903A4-5C7B-314F-9901-CCC4766D39B0}"/>
+              </a:ext>
+            </a:extLst>
+          </p:cNvPr>
+          <p:cNvPicPr>
+            <a:picLocks noChangeAspect="1"/>
+          </p:cNvPicPr>
+          <p:nvPr/>
+        </p:nvPicPr>
+        <p:blipFill rotWithShape="1">
+          <a:blip r:embed="rId4">
+            <a:extLst>
+              <a:ext uri="{96DAC541-7B7A-43D3-8B79-37D633B846F1}">
+                <asvg:svgBlip xmlns:asvg="http://schemas.microsoft.com/office/drawing/2016/SVG/main" r:embed="rId5"/>
+              </a:ext>
+            </a:extLst>
+          </a:blip>
+          <a:srcRect t="24981" r="14328"/>
+          <a:stretch/>
+        </p:blipFill>
+        <p:spPr>
+          <a:xfrm>
+            <a:off x="8121331" y="1203597"/>
+            <a:ext cx="783379" cy="685973"/>
+          </a:xfrm>
+          <a:prstGeom prst="rect">
+            <a:avLst/>
+          </a:prstGeom>
+        </p:spPr>
+      </p:pic>
+      <p:sp>
+        <p:nvSpPr>
+          <p:cNvPr id="9" name="正方形/長方形 8">
+            <a:extLst>
+              <a:ext uri="{FF2B5EF4-FFF2-40B4-BE49-F238E27FC236}">
+                <a16:creationId xmlns:a16="http://schemas.microsoft.com/office/drawing/2014/main" id="{7D4D0C08-D41E-D642-ACDB-459CEFC46410}"/>
+              </a:ext>
+            </a:extLst>
+          </p:cNvPr>
+          <p:cNvSpPr/>
+          <p:nvPr/>
+        </p:nvSpPr>
+        <p:spPr>
+          <a:xfrm>
+            <a:off x="2994125" y="3238446"/>
+            <a:ext cx="1339360" cy="1055250"/>
+          </a:xfrm>
+          <a:prstGeom prst="rect">
+            <a:avLst/>
+          </a:prstGeom>
+          <a:solidFill>
+            <a:schemeClr val="bg1"/>
+          </a:solidFill>
+          <a:ln w="28575">
+            <a:solidFill>
+              <a:schemeClr val="tx1"/>
+            </a:solidFill>
+          </a:ln>
+        </p:spPr>
+        <p:style>
+          <a:lnRef idx="2">
+            <a:schemeClr val="accent1">
+              <a:shade val="50000"/>
+            </a:schemeClr>
+          </a:lnRef>
+          <a:fillRef idx="1">
+            <a:schemeClr val="accent1"/>
+          </a:fillRef>
+          <a:effectRef idx="0">
+            <a:schemeClr val="accent1"/>
+          </a:effectRef>
+          <a:fontRef idx="minor">
+            <a:schemeClr val="lt1"/>
+          </a:fontRef>
+        </p:style>
+        <p:txBody>
+          <a:bodyPr rtlCol="0" anchor="ctr"/>
+          <a:lstStyle/>
+          <a:p>
+            <a:pPr algn="ctr"/>
+            <a:r>
+              <a:rPr lang="en-US" altLang="ja-JP">
+                <a:solidFill>
+                  <a:schemeClr val="tx1"/>
+                </a:solidFill>
+              </a:rPr>
+              <a:t>Arduino</a:t>
+            </a:r>
+            <a:endParaRPr kumimoji="1" lang="ja-JP" altLang="en-US">
+              <a:solidFill>
+                <a:schemeClr val="tx1"/>
+              </a:solidFill>
+            </a:endParaRPr>
+          </a:p>
+        </p:txBody>
+      </p:sp>
+      <p:sp>
+        <p:nvSpPr>
+          <p:cNvPr id="10" name="正方形/長方形 9">
+            <a:extLst>
+              <a:ext uri="{FF2B5EF4-FFF2-40B4-BE49-F238E27FC236}">
+                <a16:creationId xmlns:a16="http://schemas.microsoft.com/office/drawing/2014/main" id="{2CAFCAB7-5C3F-6E46-83FF-9EAC48EDAE83}"/>
+              </a:ext>
+            </a:extLst>
+          </p:cNvPr>
+          <p:cNvSpPr/>
+          <p:nvPr/>
+        </p:nvSpPr>
+        <p:spPr>
+          <a:xfrm>
+            <a:off x="1804877" y="1150305"/>
+            <a:ext cx="1879917" cy="1055250"/>
+          </a:xfrm>
+          <a:prstGeom prst="rect">
+            <a:avLst/>
+          </a:prstGeom>
+          <a:solidFill>
+            <a:schemeClr val="bg1"/>
+          </a:solidFill>
+          <a:ln w="28575">
+            <a:solidFill>
+              <a:schemeClr val="tx1"/>
+            </a:solidFill>
+          </a:ln>
+        </p:spPr>
+        <p:style>
+          <a:lnRef idx="2">
+            <a:schemeClr val="accent1">
+              <a:shade val="50000"/>
+            </a:schemeClr>
+          </a:lnRef>
+          <a:fillRef idx="1">
+            <a:schemeClr val="accent1"/>
+          </a:fillRef>
+          <a:effectRef idx="0">
+            <a:schemeClr val="accent1"/>
+          </a:effectRef>
+          <a:fontRef idx="minor">
+            <a:schemeClr val="lt1"/>
+          </a:fontRef>
+        </p:style>
+        <p:txBody>
+          <a:bodyPr rtlCol="0" anchor="ctr"/>
+          <a:lstStyle/>
+          <a:p>
+            <a:pPr algn="ctr"/>
+            <a:r>
+              <a:rPr lang="ja-JP" altLang="en-US">
+                <a:solidFill>
+                  <a:schemeClr val="tx1"/>
+                </a:solidFill>
+              </a:rPr>
+              <a:t>アクチュエータ</a:t>
+            </a:r>
+            <a:endParaRPr kumimoji="1" lang="ja-JP" altLang="en-US">
+              <a:solidFill>
+                <a:schemeClr val="tx1"/>
+              </a:solidFill>
+            </a:endParaRPr>
+          </a:p>
+        </p:txBody>
+      </p:sp>
+      <p:sp>
+        <p:nvSpPr>
+          <p:cNvPr id="11" name="正方形/長方形 10">
+            <a:extLst>
+              <a:ext uri="{FF2B5EF4-FFF2-40B4-BE49-F238E27FC236}">
+                <a16:creationId xmlns:a16="http://schemas.microsoft.com/office/drawing/2014/main" id="{2351D394-855A-A14C-9862-1224A61A1DCD}"/>
+              </a:ext>
+            </a:extLst>
+          </p:cNvPr>
+          <p:cNvSpPr/>
+          <p:nvPr/>
+        </p:nvSpPr>
+        <p:spPr>
+          <a:xfrm>
+            <a:off x="6503981" y="3919819"/>
+            <a:ext cx="1339360" cy="1055250"/>
+          </a:xfrm>
+          <a:prstGeom prst="rect">
+            <a:avLst/>
+          </a:prstGeom>
+          <a:solidFill>
+            <a:schemeClr val="bg1"/>
+          </a:solidFill>
+          <a:ln w="28575">
+            <a:solidFill>
+              <a:schemeClr val="tx1"/>
+            </a:solidFill>
+          </a:ln>
+        </p:spPr>
+        <p:style>
+          <a:lnRef idx="2">
+            <a:schemeClr val="accent1">
+              <a:shade val="50000"/>
+            </a:schemeClr>
+          </a:lnRef>
+          <a:fillRef idx="1">
+            <a:schemeClr val="accent1"/>
+          </a:fillRef>
+          <a:effectRef idx="0">
+            <a:schemeClr val="accent1"/>
+          </a:effectRef>
+          <a:fontRef idx="minor">
+            <a:schemeClr val="lt1"/>
+          </a:fontRef>
+        </p:style>
+        <p:txBody>
+          <a:bodyPr rtlCol="0" anchor="ctr"/>
+          <a:lstStyle/>
+          <a:p>
+            <a:pPr algn="ctr"/>
+            <a:r>
+              <a:rPr lang="en-US" altLang="ja-JP">
+                <a:solidFill>
+                  <a:schemeClr val="tx1"/>
+                </a:solidFill>
+              </a:rPr>
+              <a:t>Q-Leaning</a:t>
+            </a:r>
+            <a:endParaRPr kumimoji="1" lang="ja-JP" altLang="en-US">
+              <a:solidFill>
+                <a:schemeClr val="tx1"/>
+              </a:solidFill>
+            </a:endParaRPr>
+          </a:p>
+        </p:txBody>
+      </p:sp>
+      <p:cxnSp>
+        <p:nvCxnSpPr>
+          <p:cNvPr id="12" name="直線矢印コネクタ 11">
+            <a:extLst>
+              <a:ext uri="{FF2B5EF4-FFF2-40B4-BE49-F238E27FC236}">
+                <a16:creationId xmlns:a16="http://schemas.microsoft.com/office/drawing/2014/main" id="{4A16238D-4BF8-CD41-A5BF-F94A33199458}"/>
+              </a:ext>
+            </a:extLst>
+          </p:cNvPr>
+          <p:cNvCxnSpPr>
+            <a:cxnSpLocks/>
+            <a:stCxn id="11" idx="1"/>
+            <a:endCxn id="9" idx="3"/>
+          </p:cNvCxnSpPr>
+          <p:nvPr/>
+        </p:nvCxnSpPr>
+        <p:spPr>
+          <a:xfrm flipH="1" flipV="1">
+            <a:off x="4333485" y="3766071"/>
+            <a:ext cx="2170496" cy="681373"/>
+          </a:xfrm>
+          <a:prstGeom prst="straightConnector1">
+            <a:avLst/>
+          </a:prstGeom>
+          <a:ln w="38100">
+            <a:solidFill>
+              <a:schemeClr val="tx1"/>
+            </a:solidFill>
+            <a:tailEnd type="triangle"/>
+          </a:ln>
+        </p:spPr>
+        <p:style>
+          <a:lnRef idx="1">
+            <a:schemeClr val="accent1"/>
+          </a:lnRef>
+          <a:fillRef idx="0">
+            <a:schemeClr val="accent1"/>
+          </a:fillRef>
+          <a:effectRef idx="0">
+            <a:schemeClr val="accent1"/>
+          </a:effectRef>
+          <a:fontRef idx="minor">
+            <a:schemeClr val="tx1"/>
+          </a:fontRef>
+        </p:style>
+      </p:cxnSp>
+      <p:cxnSp>
+        <p:nvCxnSpPr>
+          <p:cNvPr id="13" name="直線矢印コネクタ 12">
+            <a:extLst>
+              <a:ext uri="{FF2B5EF4-FFF2-40B4-BE49-F238E27FC236}">
+                <a16:creationId xmlns:a16="http://schemas.microsoft.com/office/drawing/2014/main" id="{B5F04C64-2B6E-9643-AFB1-AB9814BC4372}"/>
+              </a:ext>
+            </a:extLst>
+          </p:cNvPr>
+          <p:cNvCxnSpPr>
+            <a:cxnSpLocks/>
+            <a:stCxn id="9" idx="0"/>
+            <a:endCxn id="10" idx="2"/>
+          </p:cNvCxnSpPr>
+          <p:nvPr/>
+        </p:nvCxnSpPr>
+        <p:spPr>
+          <a:xfrm flipH="1" flipV="1">
+            <a:off x="2744836" y="2205555"/>
+            <a:ext cx="918969" cy="1032891"/>
+          </a:xfrm>
+          <a:prstGeom prst="straightConnector1">
+            <a:avLst/>
+          </a:prstGeom>
+          <a:ln w="38100">
+            <a:solidFill>
+              <a:schemeClr val="tx1"/>
+            </a:solidFill>
+            <a:tailEnd type="triangle"/>
+          </a:ln>
+        </p:spPr>
+        <p:style>
+          <a:lnRef idx="1">
+            <a:schemeClr val="accent1"/>
+          </a:lnRef>
+          <a:fillRef idx="0">
+            <a:schemeClr val="accent1"/>
+          </a:fillRef>
+          <a:effectRef idx="0">
+            <a:schemeClr val="accent1"/>
+          </a:effectRef>
+          <a:fontRef idx="minor">
+            <a:schemeClr val="tx1"/>
+          </a:fontRef>
+        </p:style>
+      </p:cxnSp>
+      <p:cxnSp>
+        <p:nvCxnSpPr>
+          <p:cNvPr id="16" name="直線矢印コネクタ 15">
+            <a:extLst>
+              <a:ext uri="{FF2B5EF4-FFF2-40B4-BE49-F238E27FC236}">
+                <a16:creationId xmlns:a16="http://schemas.microsoft.com/office/drawing/2014/main" id="{A9DD11FF-47CD-9B43-A150-C17BF596269B}"/>
+              </a:ext>
+            </a:extLst>
+          </p:cNvPr>
+          <p:cNvCxnSpPr>
+            <a:cxnSpLocks/>
+            <a:stCxn id="5" idx="2"/>
+            <a:endCxn id="6" idx="0"/>
+          </p:cNvCxnSpPr>
+          <p:nvPr/>
+        </p:nvCxnSpPr>
+        <p:spPr>
+          <a:xfrm>
+            <a:off x="8513021" y="1889570"/>
+            <a:ext cx="0" cy="544607"/>
+          </a:xfrm>
+          <a:prstGeom prst="straightConnector1">
+            <a:avLst/>
+          </a:prstGeom>
+          <a:ln w="38100">
+            <a:solidFill>
+              <a:schemeClr val="tx1"/>
+            </a:solidFill>
+            <a:tailEnd type="triangle"/>
+          </a:ln>
+        </p:spPr>
+        <p:style>
+          <a:lnRef idx="1">
+            <a:schemeClr val="accent1"/>
+          </a:lnRef>
+          <a:fillRef idx="0">
+            <a:schemeClr val="accent1"/>
+          </a:fillRef>
+          <a:effectRef idx="0">
+            <a:schemeClr val="accent1"/>
+          </a:effectRef>
+          <a:fontRef idx="minor">
+            <a:schemeClr val="tx1"/>
+          </a:fontRef>
+        </p:style>
+      </p:cxnSp>
+      <p:cxnSp>
+        <p:nvCxnSpPr>
+          <p:cNvPr id="19" name="直線矢印コネクタ 18">
+            <a:extLst>
+              <a:ext uri="{FF2B5EF4-FFF2-40B4-BE49-F238E27FC236}">
+                <a16:creationId xmlns:a16="http://schemas.microsoft.com/office/drawing/2014/main" id="{24BBCFA5-BB2A-0841-9826-C40FC44B8B06}"/>
+              </a:ext>
+            </a:extLst>
+          </p:cNvPr>
+          <p:cNvCxnSpPr>
+            <a:cxnSpLocks/>
+            <a:stCxn id="6" idx="2"/>
+            <a:endCxn id="11" idx="3"/>
+          </p:cNvCxnSpPr>
+          <p:nvPr/>
+        </p:nvCxnSpPr>
+        <p:spPr>
+          <a:xfrm flipH="1">
+            <a:off x="7843341" y="3489427"/>
+            <a:ext cx="669680" cy="958017"/>
+          </a:xfrm>
+          <a:prstGeom prst="straightConnector1">
+            <a:avLst/>
+          </a:prstGeom>
+          <a:ln w="38100">
+            <a:solidFill>
+              <a:schemeClr val="tx1"/>
+            </a:solidFill>
+            <a:tailEnd type="triangle"/>
+          </a:ln>
+        </p:spPr>
+        <p:style>
+          <a:lnRef idx="1">
+            <a:schemeClr val="accent1"/>
+          </a:lnRef>
+          <a:fillRef idx="0">
+            <a:schemeClr val="accent1"/>
+          </a:fillRef>
+          <a:effectRef idx="0">
+            <a:schemeClr val="accent1"/>
+          </a:effectRef>
+          <a:fontRef idx="minor">
+            <a:schemeClr val="tx1"/>
+          </a:fontRef>
+        </p:style>
+      </p:cxnSp>
+      <p:cxnSp>
+        <p:nvCxnSpPr>
+          <p:cNvPr id="22" name="直線矢印コネクタ 21">
+            <a:extLst>
+              <a:ext uri="{FF2B5EF4-FFF2-40B4-BE49-F238E27FC236}">
+                <a16:creationId xmlns:a16="http://schemas.microsoft.com/office/drawing/2014/main" id="{F7A62B61-6B7B-6D4F-9FBD-00A3E7C20D61}"/>
+              </a:ext>
+            </a:extLst>
+          </p:cNvPr>
+          <p:cNvCxnSpPr>
+            <a:cxnSpLocks/>
+            <a:stCxn id="8" idx="3"/>
+            <a:endCxn id="5" idx="1"/>
+          </p:cNvCxnSpPr>
+          <p:nvPr/>
+        </p:nvCxnSpPr>
+        <p:spPr>
+          <a:xfrm flipV="1">
+            <a:off x="6914160" y="1546584"/>
+            <a:ext cx="1207171" cy="1"/>
+          </a:xfrm>
+          <a:prstGeom prst="straightConnector1">
+            <a:avLst/>
+          </a:prstGeom>
+          <a:ln w="38100">
+            <a:solidFill>
+              <a:schemeClr val="tx1"/>
+            </a:solidFill>
+            <a:tailEnd type="triangle"/>
+          </a:ln>
+        </p:spPr>
+        <p:style>
+          <a:lnRef idx="1">
+            <a:schemeClr val="accent1"/>
+          </a:lnRef>
+          <a:fillRef idx="0">
+            <a:schemeClr val="accent1"/>
+          </a:fillRef>
+          <a:effectRef idx="0">
+            <a:schemeClr val="accent1"/>
+          </a:effectRef>
+          <a:fontRef idx="minor">
+            <a:schemeClr val="tx1"/>
+          </a:fontRef>
+        </p:style>
+      </p:cxnSp>
+      <p:sp>
+        <p:nvSpPr>
+          <p:cNvPr id="29" name="正方形/長方形 28">
+            <a:extLst>
+              <a:ext uri="{FF2B5EF4-FFF2-40B4-BE49-F238E27FC236}">
+                <a16:creationId xmlns:a16="http://schemas.microsoft.com/office/drawing/2014/main" id="{BE505456-D359-2246-B199-E82421335A6A}"/>
+              </a:ext>
+            </a:extLst>
+          </p:cNvPr>
+          <p:cNvSpPr/>
+          <p:nvPr/>
+        </p:nvSpPr>
+        <p:spPr>
+          <a:xfrm>
+            <a:off x="1078506" y="3261433"/>
+            <a:ext cx="1068887" cy="670805"/>
+          </a:xfrm>
+          <a:prstGeom prst="rect">
+            <a:avLst/>
+          </a:prstGeom>
+          <a:solidFill>
+            <a:schemeClr val="bg1"/>
+          </a:solidFill>
+          <a:ln w="28575">
+            <a:solidFill>
+              <a:schemeClr val="tx1"/>
+            </a:solidFill>
+          </a:ln>
+        </p:spPr>
+        <p:style>
+          <a:lnRef idx="2">
+            <a:schemeClr val="accent1">
+              <a:shade val="50000"/>
+            </a:schemeClr>
+          </a:lnRef>
+          <a:fillRef idx="1">
+            <a:schemeClr val="accent1"/>
+          </a:fillRef>
+          <a:effectRef idx="0">
+            <a:schemeClr val="accent1"/>
+          </a:effectRef>
+          <a:fontRef idx="minor">
+            <a:schemeClr val="lt1"/>
+          </a:fontRef>
+        </p:style>
+        <p:txBody>
+          <a:bodyPr rtlCol="0" anchor="ctr"/>
+          <a:lstStyle/>
+          <a:p>
+            <a:pPr algn="ctr"/>
+            <a:r>
+              <a:rPr kumimoji="1" lang="ja-JP" altLang="en-US">
+                <a:solidFill>
+                  <a:schemeClr val="tx1"/>
+                </a:solidFill>
+              </a:rPr>
+              <a:t>電池</a:t>
+            </a:r>
+          </a:p>
+        </p:txBody>
+      </p:sp>
+      <p:cxnSp>
+        <p:nvCxnSpPr>
+          <p:cNvPr id="32" name="直線矢印コネクタ 31">
+            <a:extLst>
+              <a:ext uri="{FF2B5EF4-FFF2-40B4-BE49-F238E27FC236}">
+                <a16:creationId xmlns:a16="http://schemas.microsoft.com/office/drawing/2014/main" id="{07B21DB8-0C85-704E-BC68-11EEE67746F6}"/>
+              </a:ext>
+            </a:extLst>
+          </p:cNvPr>
+          <p:cNvCxnSpPr>
+            <a:cxnSpLocks/>
+            <a:stCxn id="29" idx="0"/>
+            <a:endCxn id="10" idx="2"/>
+          </p:cNvCxnSpPr>
+          <p:nvPr/>
+        </p:nvCxnSpPr>
+        <p:spPr>
+          <a:xfrm flipV="1">
+            <a:off x="1612950" y="2205555"/>
+            <a:ext cx="1131886" cy="1055878"/>
+          </a:xfrm>
+          <a:prstGeom prst="straightConnector1">
+            <a:avLst/>
+          </a:prstGeom>
+          <a:ln w="38100">
+            <a:solidFill>
+              <a:schemeClr val="tx1"/>
+            </a:solidFill>
+            <a:tailEnd type="triangle"/>
+          </a:ln>
+        </p:spPr>
+        <p:style>
+          <a:lnRef idx="1">
+            <a:schemeClr val="accent1"/>
+          </a:lnRef>
+          <a:fillRef idx="0">
+            <a:schemeClr val="accent1"/>
+          </a:fillRef>
+          <a:effectRef idx="0">
+            <a:schemeClr val="accent1"/>
+          </a:effectRef>
+          <a:fontRef idx="minor">
+            <a:schemeClr val="tx1"/>
+          </a:fontRef>
+        </p:style>
+      </p:cxnSp>
+      <p:sp>
+        <p:nvSpPr>
+          <p:cNvPr id="50" name="テキスト ボックス 49">
+            <a:extLst>
+              <a:ext uri="{FF2B5EF4-FFF2-40B4-BE49-F238E27FC236}">
+                <a16:creationId xmlns:a16="http://schemas.microsoft.com/office/drawing/2014/main" id="{4342A9B7-E8F3-C54B-9B88-4DB4F99D3A35}"/>
+              </a:ext>
+            </a:extLst>
+          </p:cNvPr>
+          <p:cNvSpPr txBox="1"/>
+          <p:nvPr/>
+        </p:nvSpPr>
+        <p:spPr>
+          <a:xfrm>
+            <a:off x="8328211" y="3849368"/>
+            <a:ext cx="1416424" cy="369332"/>
+          </a:xfrm>
+          <a:prstGeom prst="rect">
+            <a:avLst/>
+          </a:prstGeom>
+          <a:noFill/>
+        </p:spPr>
+        <p:txBody>
+          <a:bodyPr wrap="square" rtlCol="0">
+            <a:spAutoFit/>
+          </a:bodyPr>
+          <a:lstStyle/>
+          <a:p>
+            <a:r>
+              <a:rPr kumimoji="1" lang="ja-JP" altLang="en-US"/>
+              <a:t>面積と重心</a:t>
+            </a:r>
+          </a:p>
+        </p:txBody>
+      </p:sp>
+      <p:sp>
+        <p:nvSpPr>
+          <p:cNvPr id="52" name="正方形/長方形 51">
+            <a:extLst>
+              <a:ext uri="{FF2B5EF4-FFF2-40B4-BE49-F238E27FC236}">
+                <a16:creationId xmlns:a16="http://schemas.microsoft.com/office/drawing/2014/main" id="{F34C5990-111A-DA48-BA78-AF8F2452264E}"/>
+              </a:ext>
+            </a:extLst>
+          </p:cNvPr>
+          <p:cNvSpPr/>
+          <p:nvPr/>
+        </p:nvSpPr>
+        <p:spPr>
+          <a:xfrm>
+            <a:off x="5585012" y="627529"/>
+            <a:ext cx="4571999" cy="5244352"/>
+          </a:xfrm>
+          <a:prstGeom prst="rect">
+            <a:avLst/>
+          </a:prstGeom>
+          <a:noFill/>
+          <a:ln w="28575">
+            <a:solidFill>
+              <a:schemeClr val="tx1"/>
+            </a:solidFill>
+          </a:ln>
+        </p:spPr>
+        <p:style>
+          <a:lnRef idx="2">
+            <a:schemeClr val="accent1">
+              <a:shade val="50000"/>
+            </a:schemeClr>
+          </a:lnRef>
+          <a:fillRef idx="1">
+            <a:schemeClr val="accent1"/>
+          </a:fillRef>
+          <a:effectRef idx="0">
+            <a:schemeClr val="accent1"/>
+          </a:effectRef>
+          <a:fontRef idx="minor">
+            <a:schemeClr val="lt1"/>
+          </a:fontRef>
+        </p:style>
+        <p:txBody>
+          <a:bodyPr rtlCol="0" anchor="ctr"/>
+          <a:lstStyle/>
+          <a:p>
+            <a:pPr algn="ctr"/>
+            <a:endParaRPr kumimoji="1" lang="ja-JP" altLang="en-US">
+              <a:solidFill>
+                <a:schemeClr val="tx1"/>
+              </a:solidFill>
+            </a:endParaRPr>
+          </a:p>
+        </p:txBody>
+      </p:sp>
+      <p:sp>
+        <p:nvSpPr>
+          <p:cNvPr id="53" name="テキスト ボックス 52">
+            <a:extLst>
+              <a:ext uri="{FF2B5EF4-FFF2-40B4-BE49-F238E27FC236}">
+                <a16:creationId xmlns:a16="http://schemas.microsoft.com/office/drawing/2014/main" id="{5AAF0C8F-8716-F740-95DB-A43871A3DA24}"/>
+              </a:ext>
+            </a:extLst>
+          </p:cNvPr>
+          <p:cNvSpPr txBox="1"/>
+          <p:nvPr/>
+        </p:nvSpPr>
+        <p:spPr>
+          <a:xfrm>
+            <a:off x="9182701" y="5972512"/>
+            <a:ext cx="941295" cy="369332"/>
+          </a:xfrm>
+          <a:prstGeom prst="rect">
+            <a:avLst/>
+          </a:prstGeom>
+          <a:noFill/>
+        </p:spPr>
+        <p:txBody>
+          <a:bodyPr wrap="square" rtlCol="0">
+            <a:spAutoFit/>
+          </a:bodyPr>
+          <a:lstStyle/>
+          <a:p>
+            <a:r>
+              <a:rPr kumimoji="1" lang="ja-JP" altLang="en-US"/>
+              <a:t>スマホ</a:t>
+            </a:r>
+          </a:p>
+        </p:txBody>
+      </p:sp>
+      <p:sp>
+        <p:nvSpPr>
+          <p:cNvPr id="54" name="テキスト ボックス 53">
+            <a:extLst>
+              <a:ext uri="{FF2B5EF4-FFF2-40B4-BE49-F238E27FC236}">
+                <a16:creationId xmlns:a16="http://schemas.microsoft.com/office/drawing/2014/main" id="{242DD4A0-7CAF-4842-8B6C-AAC20A0E6E10}"/>
+              </a:ext>
+            </a:extLst>
+          </p:cNvPr>
+          <p:cNvSpPr txBox="1"/>
+          <p:nvPr/>
+        </p:nvSpPr>
+        <p:spPr>
+          <a:xfrm>
+            <a:off x="4684832" y="3561440"/>
+            <a:ext cx="941295" cy="369332"/>
+          </a:xfrm>
+          <a:prstGeom prst="rect">
+            <a:avLst/>
+          </a:prstGeom>
+          <a:noFill/>
+        </p:spPr>
+        <p:txBody>
+          <a:bodyPr wrap="square" rtlCol="0">
+            <a:spAutoFit/>
+          </a:bodyPr>
+          <a:lstStyle/>
+          <a:p>
+            <a:r>
+              <a:rPr kumimoji="1" lang="en-US" altLang="ja-JP"/>
+              <a:t>Action</a:t>
+            </a:r>
+            <a:endParaRPr kumimoji="1" lang="ja-JP" altLang="en-US"/>
+          </a:p>
+        </p:txBody>
+      </p:sp>
     </p:spTree>
     <p:extLst>
       <p:ext uri="{BB962C8B-B14F-4D97-AF65-F5344CB8AC3E}">
@@ -4741,6 +5484,1457 @@
           <a:chExt cx="0" cy="0"/>
         </a:xfrm>
       </p:grpSpPr>
+      <p:sp>
+        <p:nvSpPr>
+          <p:cNvPr id="2" name="正方形/長方形 1">
+            <a:extLst>
+              <a:ext uri="{FF2B5EF4-FFF2-40B4-BE49-F238E27FC236}">
+                <a16:creationId xmlns:a16="http://schemas.microsoft.com/office/drawing/2014/main" id="{B2158162-6459-1442-A572-3C3DDC1A851D}"/>
+              </a:ext>
+            </a:extLst>
+          </p:cNvPr>
+          <p:cNvSpPr/>
+          <p:nvPr/>
+        </p:nvSpPr>
+        <p:spPr>
+          <a:xfrm>
+            <a:off x="797860" y="152396"/>
+            <a:ext cx="4061012" cy="1443317"/>
+          </a:xfrm>
+          <a:prstGeom prst="rect">
+            <a:avLst/>
+          </a:prstGeom>
+          <a:noFill/>
+          <a:ln w="38100">
+            <a:solidFill>
+              <a:schemeClr val="tx1"/>
+            </a:solidFill>
+          </a:ln>
+        </p:spPr>
+        <p:style>
+          <a:lnRef idx="2">
+            <a:schemeClr val="accent1">
+              <a:shade val="50000"/>
+            </a:schemeClr>
+          </a:lnRef>
+          <a:fillRef idx="1">
+            <a:schemeClr val="accent1"/>
+          </a:fillRef>
+          <a:effectRef idx="0">
+            <a:schemeClr val="accent1"/>
+          </a:effectRef>
+          <a:fontRef idx="minor">
+            <a:schemeClr val="lt1"/>
+          </a:fontRef>
+        </p:style>
+        <p:txBody>
+          <a:bodyPr rtlCol="0" anchor="ctr"/>
+          <a:lstStyle/>
+          <a:p>
+            <a:pPr algn="ctr"/>
+            <a:endParaRPr kumimoji="1" lang="ja-JP" altLang="en-US"/>
+          </a:p>
+        </p:txBody>
+      </p:sp>
+      <p:sp>
+        <p:nvSpPr>
+          <p:cNvPr id="3" name="テキスト ボックス 2">
+            <a:extLst>
+              <a:ext uri="{FF2B5EF4-FFF2-40B4-BE49-F238E27FC236}">
+                <a16:creationId xmlns:a16="http://schemas.microsoft.com/office/drawing/2014/main" id="{C6913896-0DE3-BC4F-8D7B-A4B8847A52EB}"/>
+              </a:ext>
+            </a:extLst>
+          </p:cNvPr>
+          <p:cNvSpPr txBox="1"/>
+          <p:nvPr/>
+        </p:nvSpPr>
+        <p:spPr>
+          <a:xfrm>
+            <a:off x="1691269" y="-32270"/>
+            <a:ext cx="2076970" cy="369332"/>
+          </a:xfrm>
+          <a:prstGeom prst="rect">
+            <a:avLst/>
+          </a:prstGeom>
+          <a:solidFill>
+            <a:schemeClr val="bg1"/>
+          </a:solidFill>
+        </p:spPr>
+        <p:txBody>
+          <a:bodyPr wrap="square" rtlCol="0">
+            <a:spAutoFit/>
+          </a:bodyPr>
+          <a:lstStyle/>
+          <a:p>
+            <a:pPr algn="ctr"/>
+            <a:r>
+              <a:rPr lang="ja-JP" altLang="en-US"/>
+              <a:t>電動義手の課題</a:t>
+            </a:r>
+            <a:endParaRPr kumimoji="1" lang="ja-JP" altLang="en-US"/>
+          </a:p>
+        </p:txBody>
+      </p:sp>
+      <p:sp>
+        <p:nvSpPr>
+          <p:cNvPr id="4" name="テキスト ボックス 3">
+            <a:extLst>
+              <a:ext uri="{FF2B5EF4-FFF2-40B4-BE49-F238E27FC236}">
+                <a16:creationId xmlns:a16="http://schemas.microsoft.com/office/drawing/2014/main" id="{7B230A72-B0B9-6D42-B2CE-8C1A1627B134}"/>
+              </a:ext>
+            </a:extLst>
+          </p:cNvPr>
+          <p:cNvSpPr txBox="1"/>
+          <p:nvPr/>
+        </p:nvSpPr>
+        <p:spPr>
+          <a:xfrm>
+            <a:off x="1265446" y="617688"/>
+            <a:ext cx="2928616" cy="646331"/>
+          </a:xfrm>
+          <a:prstGeom prst="rect">
+            <a:avLst/>
+          </a:prstGeom>
+          <a:noFill/>
+        </p:spPr>
+        <p:txBody>
+          <a:bodyPr wrap="square" rtlCol="0">
+            <a:spAutoFit/>
+          </a:bodyPr>
+          <a:lstStyle/>
+          <a:p>
+            <a:r>
+              <a:rPr kumimoji="1" lang="ja-JP" altLang="en-US"/>
+              <a:t>筋電の制御が難しい</a:t>
+            </a:r>
+            <a:endParaRPr kumimoji="1" lang="en-US" altLang="ja-JP"/>
+          </a:p>
+          <a:p>
+            <a:r>
+              <a:rPr kumimoji="1" lang="ja-JP" altLang="en-US"/>
+              <a:t>重い</a:t>
+            </a:r>
+          </a:p>
+        </p:txBody>
+      </p:sp>
+      <p:sp>
+        <p:nvSpPr>
+          <p:cNvPr id="6" name="正方形/長方形 5">
+            <a:extLst>
+              <a:ext uri="{FF2B5EF4-FFF2-40B4-BE49-F238E27FC236}">
+                <a16:creationId xmlns:a16="http://schemas.microsoft.com/office/drawing/2014/main" id="{22B38234-3A94-DE44-A755-21AC618C7B08}"/>
+              </a:ext>
+            </a:extLst>
+          </p:cNvPr>
+          <p:cNvSpPr/>
+          <p:nvPr/>
+        </p:nvSpPr>
+        <p:spPr>
+          <a:xfrm>
+            <a:off x="5647766" y="152396"/>
+            <a:ext cx="4061012" cy="1443317"/>
+          </a:xfrm>
+          <a:prstGeom prst="rect">
+            <a:avLst/>
+          </a:prstGeom>
+          <a:noFill/>
+          <a:ln w="38100">
+            <a:solidFill>
+              <a:schemeClr val="tx1"/>
+            </a:solidFill>
+          </a:ln>
+        </p:spPr>
+        <p:style>
+          <a:lnRef idx="2">
+            <a:schemeClr val="accent1">
+              <a:shade val="50000"/>
+            </a:schemeClr>
+          </a:lnRef>
+          <a:fillRef idx="1">
+            <a:schemeClr val="accent1"/>
+          </a:fillRef>
+          <a:effectRef idx="0">
+            <a:schemeClr val="accent1"/>
+          </a:effectRef>
+          <a:fontRef idx="minor">
+            <a:schemeClr val="lt1"/>
+          </a:fontRef>
+        </p:style>
+        <p:txBody>
+          <a:bodyPr rtlCol="0" anchor="ctr"/>
+          <a:lstStyle/>
+          <a:p>
+            <a:pPr algn="ctr"/>
+            <a:endParaRPr kumimoji="1" lang="ja-JP" altLang="en-US"/>
+          </a:p>
+        </p:txBody>
+      </p:sp>
+      <p:sp>
+        <p:nvSpPr>
+          <p:cNvPr id="7" name="テキスト ボックス 6">
+            <a:extLst>
+              <a:ext uri="{FF2B5EF4-FFF2-40B4-BE49-F238E27FC236}">
+                <a16:creationId xmlns:a16="http://schemas.microsoft.com/office/drawing/2014/main" id="{31CB1F00-0ECB-484D-9C0B-C28A6BDAB881}"/>
+              </a:ext>
+            </a:extLst>
+          </p:cNvPr>
+          <p:cNvSpPr txBox="1"/>
+          <p:nvPr/>
+        </p:nvSpPr>
+        <p:spPr>
+          <a:xfrm>
+            <a:off x="6317056" y="-26898"/>
+            <a:ext cx="2970379" cy="369332"/>
+          </a:xfrm>
+          <a:prstGeom prst="rect">
+            <a:avLst/>
+          </a:prstGeom>
+          <a:solidFill>
+            <a:schemeClr val="bg1"/>
+          </a:solidFill>
+        </p:spPr>
+        <p:txBody>
+          <a:bodyPr wrap="square" rtlCol="0">
+            <a:spAutoFit/>
+          </a:bodyPr>
+          <a:lstStyle/>
+          <a:p>
+            <a:pPr algn="ctr"/>
+            <a:r>
+              <a:rPr lang="ja-JP" altLang="en-US"/>
+              <a:t>パーソナルロボットの課題</a:t>
+            </a:r>
+            <a:endParaRPr kumimoji="1" lang="ja-JP" altLang="en-US"/>
+          </a:p>
+        </p:txBody>
+      </p:sp>
+      <p:sp>
+        <p:nvSpPr>
+          <p:cNvPr id="8" name="テキスト ボックス 7">
+            <a:extLst>
+              <a:ext uri="{FF2B5EF4-FFF2-40B4-BE49-F238E27FC236}">
+                <a16:creationId xmlns:a16="http://schemas.microsoft.com/office/drawing/2014/main" id="{C76E0845-2774-2444-8C56-E578F88FE825}"/>
+              </a:ext>
+            </a:extLst>
+          </p:cNvPr>
+          <p:cNvSpPr txBox="1"/>
+          <p:nvPr/>
+        </p:nvSpPr>
+        <p:spPr>
+          <a:xfrm>
+            <a:off x="6115352" y="617688"/>
+            <a:ext cx="2928616" cy="646331"/>
+          </a:xfrm>
+          <a:prstGeom prst="rect">
+            <a:avLst/>
+          </a:prstGeom>
+          <a:noFill/>
+        </p:spPr>
+        <p:txBody>
+          <a:bodyPr wrap="square" rtlCol="0">
+            <a:spAutoFit/>
+          </a:bodyPr>
+          <a:lstStyle/>
+          <a:p>
+            <a:r>
+              <a:rPr kumimoji="1" lang="ja-JP" altLang="en-US"/>
+              <a:t>筋電の制御が難しい</a:t>
+            </a:r>
+            <a:endParaRPr kumimoji="1" lang="en-US" altLang="ja-JP"/>
+          </a:p>
+          <a:p>
+            <a:r>
+              <a:rPr kumimoji="1" lang="ja-JP" altLang="en-US"/>
+              <a:t>重い</a:t>
+            </a:r>
+          </a:p>
+        </p:txBody>
+      </p:sp>
+      <p:sp>
+        <p:nvSpPr>
+          <p:cNvPr id="9" name="正方形/長方形 8">
+            <a:extLst>
+              <a:ext uri="{FF2B5EF4-FFF2-40B4-BE49-F238E27FC236}">
+                <a16:creationId xmlns:a16="http://schemas.microsoft.com/office/drawing/2014/main" id="{74467F90-F99C-B54D-8304-20151A3A773A}"/>
+              </a:ext>
+            </a:extLst>
+          </p:cNvPr>
+          <p:cNvSpPr/>
+          <p:nvPr/>
+        </p:nvSpPr>
+        <p:spPr>
+          <a:xfrm>
+            <a:off x="726142" y="1917569"/>
+            <a:ext cx="8982636" cy="960096"/>
+          </a:xfrm>
+          <a:prstGeom prst="rect">
+            <a:avLst/>
+          </a:prstGeom>
+          <a:noFill/>
+          <a:ln w="38100">
+            <a:solidFill>
+              <a:schemeClr val="tx1"/>
+            </a:solidFill>
+          </a:ln>
+        </p:spPr>
+        <p:style>
+          <a:lnRef idx="2">
+            <a:schemeClr val="accent1">
+              <a:shade val="50000"/>
+            </a:schemeClr>
+          </a:lnRef>
+          <a:fillRef idx="1">
+            <a:schemeClr val="accent1"/>
+          </a:fillRef>
+          <a:effectRef idx="0">
+            <a:schemeClr val="accent1"/>
+          </a:effectRef>
+          <a:fontRef idx="minor">
+            <a:schemeClr val="lt1"/>
+          </a:fontRef>
+        </p:style>
+        <p:txBody>
+          <a:bodyPr rtlCol="0" anchor="ctr"/>
+          <a:lstStyle/>
+          <a:p>
+            <a:pPr algn="ctr"/>
+            <a:endParaRPr kumimoji="1" lang="ja-JP" altLang="en-US"/>
+          </a:p>
+        </p:txBody>
+      </p:sp>
+      <p:sp>
+        <p:nvSpPr>
+          <p:cNvPr id="10" name="テキスト ボックス 9">
+            <a:extLst>
+              <a:ext uri="{FF2B5EF4-FFF2-40B4-BE49-F238E27FC236}">
+                <a16:creationId xmlns:a16="http://schemas.microsoft.com/office/drawing/2014/main" id="{54100277-D5CC-3F4E-B2B9-6801ECFF785D}"/>
+              </a:ext>
+            </a:extLst>
+          </p:cNvPr>
+          <p:cNvSpPr txBox="1"/>
+          <p:nvPr/>
+        </p:nvSpPr>
+        <p:spPr>
+          <a:xfrm>
+            <a:off x="1619551" y="1732902"/>
+            <a:ext cx="2076970" cy="369332"/>
+          </a:xfrm>
+          <a:prstGeom prst="rect">
+            <a:avLst/>
+          </a:prstGeom>
+          <a:solidFill>
+            <a:schemeClr val="bg1"/>
+          </a:solidFill>
+        </p:spPr>
+        <p:txBody>
+          <a:bodyPr wrap="square" rtlCol="0">
+            <a:spAutoFit/>
+          </a:bodyPr>
+          <a:lstStyle/>
+          <a:p>
+            <a:pPr algn="ctr"/>
+            <a:r>
+              <a:rPr lang="ja-JP" altLang="en-US"/>
+              <a:t>目的・要求仕様</a:t>
+            </a:r>
+            <a:endParaRPr kumimoji="1" lang="ja-JP" altLang="en-US"/>
+          </a:p>
+        </p:txBody>
+      </p:sp>
+      <p:sp>
+        <p:nvSpPr>
+          <p:cNvPr id="11" name="テキスト ボックス 10">
+            <a:extLst>
+              <a:ext uri="{FF2B5EF4-FFF2-40B4-BE49-F238E27FC236}">
+                <a16:creationId xmlns:a16="http://schemas.microsoft.com/office/drawing/2014/main" id="{A010344F-7D97-3B40-A1C9-CCB47439E4B8}"/>
+              </a:ext>
+            </a:extLst>
+          </p:cNvPr>
+          <p:cNvSpPr txBox="1"/>
+          <p:nvPr/>
+        </p:nvSpPr>
+        <p:spPr>
+          <a:xfrm>
+            <a:off x="1133326" y="2198195"/>
+            <a:ext cx="6121472" cy="369332"/>
+          </a:xfrm>
+          <a:prstGeom prst="rect">
+            <a:avLst/>
+          </a:prstGeom>
+          <a:noFill/>
+        </p:spPr>
+        <p:txBody>
+          <a:bodyPr wrap="square" rtlCol="0">
+            <a:spAutoFit/>
+          </a:bodyPr>
+          <a:lstStyle/>
+          <a:p>
+            <a:r>
+              <a:rPr lang="ja-JP" altLang="en-US"/>
+              <a:t>小型で携帯可能な自律型ロボットハンド</a:t>
+            </a:r>
+            <a:endParaRPr kumimoji="1" lang="en-US" altLang="ja-JP"/>
+          </a:p>
+        </p:txBody>
+      </p:sp>
+      <p:sp>
+        <p:nvSpPr>
+          <p:cNvPr id="12" name="正方形/長方形 11">
+            <a:extLst>
+              <a:ext uri="{FF2B5EF4-FFF2-40B4-BE49-F238E27FC236}">
+                <a16:creationId xmlns:a16="http://schemas.microsoft.com/office/drawing/2014/main" id="{349840BC-5966-9549-AE6B-540FD151FBFD}"/>
+              </a:ext>
+            </a:extLst>
+          </p:cNvPr>
+          <p:cNvSpPr/>
+          <p:nvPr/>
+        </p:nvSpPr>
+        <p:spPr>
+          <a:xfrm>
+            <a:off x="762000" y="3181594"/>
+            <a:ext cx="8982636" cy="1399366"/>
+          </a:xfrm>
+          <a:prstGeom prst="rect">
+            <a:avLst/>
+          </a:prstGeom>
+          <a:noFill/>
+          <a:ln w="38100">
+            <a:solidFill>
+              <a:schemeClr val="tx1"/>
+            </a:solidFill>
+          </a:ln>
+        </p:spPr>
+        <p:style>
+          <a:lnRef idx="2">
+            <a:schemeClr val="accent1">
+              <a:shade val="50000"/>
+            </a:schemeClr>
+          </a:lnRef>
+          <a:fillRef idx="1">
+            <a:schemeClr val="accent1"/>
+          </a:fillRef>
+          <a:effectRef idx="0">
+            <a:schemeClr val="accent1"/>
+          </a:effectRef>
+          <a:fontRef idx="minor">
+            <a:schemeClr val="lt1"/>
+          </a:fontRef>
+        </p:style>
+        <p:txBody>
+          <a:bodyPr rtlCol="0" anchor="ctr"/>
+          <a:lstStyle/>
+          <a:p>
+            <a:pPr algn="ctr"/>
+            <a:endParaRPr kumimoji="1" lang="ja-JP" altLang="en-US"/>
+          </a:p>
+        </p:txBody>
+      </p:sp>
+      <p:sp>
+        <p:nvSpPr>
+          <p:cNvPr id="13" name="テキスト ボックス 12">
+            <a:extLst>
+              <a:ext uri="{FF2B5EF4-FFF2-40B4-BE49-F238E27FC236}">
+                <a16:creationId xmlns:a16="http://schemas.microsoft.com/office/drawing/2014/main" id="{E4A16484-32E9-E747-BCC2-167DC0FE89C5}"/>
+              </a:ext>
+            </a:extLst>
+          </p:cNvPr>
+          <p:cNvSpPr txBox="1"/>
+          <p:nvPr/>
+        </p:nvSpPr>
+        <p:spPr>
+          <a:xfrm>
+            <a:off x="1655409" y="2996927"/>
+            <a:ext cx="2076970" cy="369332"/>
+          </a:xfrm>
+          <a:prstGeom prst="rect">
+            <a:avLst/>
+          </a:prstGeom>
+          <a:solidFill>
+            <a:schemeClr val="bg1"/>
+          </a:solidFill>
+        </p:spPr>
+        <p:txBody>
+          <a:bodyPr wrap="square" rtlCol="0">
+            <a:spAutoFit/>
+          </a:bodyPr>
+          <a:lstStyle/>
+          <a:p>
+            <a:pPr algn="ctr"/>
+            <a:r>
+              <a:rPr lang="en-US" altLang="ja-JP"/>
+              <a:t>1</a:t>
+            </a:r>
+            <a:r>
+              <a:rPr lang="ja-JP" altLang="en-US"/>
+              <a:t>号機</a:t>
+            </a:r>
+            <a:endParaRPr kumimoji="1" lang="ja-JP" altLang="en-US"/>
+          </a:p>
+        </p:txBody>
+      </p:sp>
+      <p:sp>
+        <p:nvSpPr>
+          <p:cNvPr id="14" name="テキスト ボックス 13">
+            <a:extLst>
+              <a:ext uri="{FF2B5EF4-FFF2-40B4-BE49-F238E27FC236}">
+                <a16:creationId xmlns:a16="http://schemas.microsoft.com/office/drawing/2014/main" id="{C6817421-3773-F34F-8C4A-5E2BED741D65}"/>
+              </a:ext>
+            </a:extLst>
+          </p:cNvPr>
+          <p:cNvSpPr txBox="1"/>
+          <p:nvPr/>
+        </p:nvSpPr>
+        <p:spPr>
+          <a:xfrm>
+            <a:off x="1169184" y="3462220"/>
+            <a:ext cx="847875" cy="369332"/>
+          </a:xfrm>
+          <a:prstGeom prst="rect">
+            <a:avLst/>
+          </a:prstGeom>
+          <a:noFill/>
+        </p:spPr>
+        <p:txBody>
+          <a:bodyPr wrap="square" rtlCol="0">
+            <a:spAutoFit/>
+          </a:bodyPr>
+          <a:lstStyle/>
+          <a:p>
+            <a:r>
+              <a:rPr kumimoji="1" lang="ja-JP" altLang="en-US"/>
+              <a:t>仕様</a:t>
+            </a:r>
+            <a:endParaRPr kumimoji="1" lang="en-US" altLang="ja-JP"/>
+          </a:p>
+        </p:txBody>
+      </p:sp>
+      <p:sp>
+        <p:nvSpPr>
+          <p:cNvPr id="15" name="テキスト ボックス 14">
+            <a:extLst>
+              <a:ext uri="{FF2B5EF4-FFF2-40B4-BE49-F238E27FC236}">
+                <a16:creationId xmlns:a16="http://schemas.microsoft.com/office/drawing/2014/main" id="{E1C4A0D5-BDE1-D947-A104-4CB6493F77A5}"/>
+              </a:ext>
+            </a:extLst>
+          </p:cNvPr>
+          <p:cNvSpPr txBox="1"/>
+          <p:nvPr/>
+        </p:nvSpPr>
+        <p:spPr>
+          <a:xfrm>
+            <a:off x="2234098" y="3462220"/>
+            <a:ext cx="1136631" cy="646331"/>
+          </a:xfrm>
+          <a:prstGeom prst="rect">
+            <a:avLst/>
+          </a:prstGeom>
+          <a:noFill/>
+        </p:spPr>
+        <p:txBody>
+          <a:bodyPr wrap="square" rtlCol="0">
+            <a:spAutoFit/>
+          </a:bodyPr>
+          <a:lstStyle/>
+          <a:p>
+            <a:r>
+              <a:rPr kumimoji="1" lang="ja-JP" altLang="en-US"/>
+              <a:t>自由度</a:t>
+            </a:r>
+            <a:endParaRPr kumimoji="1" lang="en-US" altLang="ja-JP"/>
+          </a:p>
+          <a:p>
+            <a:r>
+              <a:rPr lang="en-US" altLang="ja-JP"/>
+              <a:t>2</a:t>
+            </a:r>
+            <a:endParaRPr kumimoji="1" lang="en-US" altLang="ja-JP"/>
+          </a:p>
+        </p:txBody>
+      </p:sp>
+      <p:sp>
+        <p:nvSpPr>
+          <p:cNvPr id="16" name="テキスト ボックス 15">
+            <a:extLst>
+              <a:ext uri="{FF2B5EF4-FFF2-40B4-BE49-F238E27FC236}">
+                <a16:creationId xmlns:a16="http://schemas.microsoft.com/office/drawing/2014/main" id="{7E39BC77-C832-D143-B4EE-F9FB2D5D3B43}"/>
+              </a:ext>
+            </a:extLst>
+          </p:cNvPr>
+          <p:cNvSpPr txBox="1"/>
+          <p:nvPr/>
+        </p:nvSpPr>
+        <p:spPr>
+          <a:xfrm>
+            <a:off x="3499066" y="3462220"/>
+            <a:ext cx="1781146" cy="923330"/>
+          </a:xfrm>
+          <a:prstGeom prst="rect">
+            <a:avLst/>
+          </a:prstGeom>
+          <a:noFill/>
+        </p:spPr>
+        <p:txBody>
+          <a:bodyPr wrap="square" rtlCol="0">
+            <a:spAutoFit/>
+          </a:bodyPr>
+          <a:lstStyle/>
+          <a:p>
+            <a:r>
+              <a:rPr kumimoji="1" lang="ja-JP" altLang="en-US"/>
+              <a:t>環境把握能力</a:t>
+            </a:r>
+            <a:endParaRPr kumimoji="1" lang="en-US" altLang="ja-JP"/>
+          </a:p>
+          <a:p>
+            <a:r>
+              <a:rPr lang="ja-JP" altLang="en-US"/>
+              <a:t>赤色の面積値とその重心</a:t>
+            </a:r>
+            <a:endParaRPr kumimoji="1" lang="en-US" altLang="ja-JP"/>
+          </a:p>
+        </p:txBody>
+      </p:sp>
+      <p:sp>
+        <p:nvSpPr>
+          <p:cNvPr id="17" name="テキスト ボックス 16">
+            <a:extLst>
+              <a:ext uri="{FF2B5EF4-FFF2-40B4-BE49-F238E27FC236}">
+                <a16:creationId xmlns:a16="http://schemas.microsoft.com/office/drawing/2014/main" id="{C9404E8D-2B7B-AD42-8F8B-94C1FA7B30C9}"/>
+              </a:ext>
+            </a:extLst>
+          </p:cNvPr>
+          <p:cNvSpPr txBox="1"/>
+          <p:nvPr/>
+        </p:nvSpPr>
+        <p:spPr>
+          <a:xfrm>
+            <a:off x="5229255" y="3419612"/>
+            <a:ext cx="1781146" cy="646331"/>
+          </a:xfrm>
+          <a:prstGeom prst="rect">
+            <a:avLst/>
+          </a:prstGeom>
+          <a:noFill/>
+        </p:spPr>
+        <p:txBody>
+          <a:bodyPr wrap="square" rtlCol="0">
+            <a:spAutoFit/>
+          </a:bodyPr>
+          <a:lstStyle/>
+          <a:p>
+            <a:r>
+              <a:rPr kumimoji="1" lang="ja-JP" altLang="en-US"/>
+              <a:t>制御方法</a:t>
+            </a:r>
+            <a:endParaRPr kumimoji="1" lang="en-US" altLang="ja-JP"/>
+          </a:p>
+          <a:p>
+            <a:r>
+              <a:rPr lang="ja-JP" altLang="en-US"/>
+              <a:t>強化学習</a:t>
+            </a:r>
+            <a:endParaRPr kumimoji="1" lang="en-US" altLang="ja-JP"/>
+          </a:p>
+        </p:txBody>
+      </p:sp>
+      <p:sp>
+        <p:nvSpPr>
+          <p:cNvPr id="18" name="テキスト ボックス 17">
+            <a:extLst>
+              <a:ext uri="{FF2B5EF4-FFF2-40B4-BE49-F238E27FC236}">
+                <a16:creationId xmlns:a16="http://schemas.microsoft.com/office/drawing/2014/main" id="{DFA77FE7-19CE-894E-9416-CE6B65AE15AE}"/>
+              </a:ext>
+            </a:extLst>
+          </p:cNvPr>
+          <p:cNvSpPr txBox="1"/>
+          <p:nvPr/>
+        </p:nvSpPr>
+        <p:spPr>
+          <a:xfrm>
+            <a:off x="6959444" y="3429921"/>
+            <a:ext cx="1781146" cy="646331"/>
+          </a:xfrm>
+          <a:prstGeom prst="rect">
+            <a:avLst/>
+          </a:prstGeom>
+          <a:noFill/>
+        </p:spPr>
+        <p:txBody>
+          <a:bodyPr wrap="square" rtlCol="0">
+            <a:spAutoFit/>
+          </a:bodyPr>
+          <a:lstStyle/>
+          <a:p>
+            <a:r>
+              <a:rPr kumimoji="1" lang="ja-JP" altLang="en-US"/>
+              <a:t>大きさ・重さ</a:t>
+            </a:r>
+            <a:endParaRPr kumimoji="1" lang="en-US" altLang="ja-JP"/>
+          </a:p>
+          <a:p>
+            <a:r>
+              <a:rPr kumimoji="1" lang="ja-JP" altLang="en-US"/>
+              <a:t>スマホ</a:t>
+            </a:r>
+            <a:r>
+              <a:rPr kumimoji="1" lang="en-US" altLang="ja-JP"/>
+              <a:t>+α</a:t>
+            </a:r>
+          </a:p>
+        </p:txBody>
+      </p:sp>
+      <p:sp>
+        <p:nvSpPr>
+          <p:cNvPr id="19" name="正方形/長方形 18">
+            <a:extLst>
+              <a:ext uri="{FF2B5EF4-FFF2-40B4-BE49-F238E27FC236}">
+                <a16:creationId xmlns:a16="http://schemas.microsoft.com/office/drawing/2014/main" id="{2BF74850-09FE-924B-B919-A3A2A63118B9}"/>
+              </a:ext>
+            </a:extLst>
+          </p:cNvPr>
+          <p:cNvSpPr/>
+          <p:nvPr/>
+        </p:nvSpPr>
+        <p:spPr>
+          <a:xfrm>
+            <a:off x="753035" y="4875923"/>
+            <a:ext cx="8982636" cy="1399366"/>
+          </a:xfrm>
+          <a:prstGeom prst="rect">
+            <a:avLst/>
+          </a:prstGeom>
+          <a:noFill/>
+          <a:ln w="38100">
+            <a:solidFill>
+              <a:schemeClr val="tx1"/>
+            </a:solidFill>
+          </a:ln>
+        </p:spPr>
+        <p:style>
+          <a:lnRef idx="2">
+            <a:schemeClr val="accent1">
+              <a:shade val="50000"/>
+            </a:schemeClr>
+          </a:lnRef>
+          <a:fillRef idx="1">
+            <a:schemeClr val="accent1"/>
+          </a:fillRef>
+          <a:effectRef idx="0">
+            <a:schemeClr val="accent1"/>
+          </a:effectRef>
+          <a:fontRef idx="minor">
+            <a:schemeClr val="lt1"/>
+          </a:fontRef>
+        </p:style>
+        <p:txBody>
+          <a:bodyPr rtlCol="0" anchor="ctr"/>
+          <a:lstStyle/>
+          <a:p>
+            <a:pPr algn="ctr"/>
+            <a:endParaRPr kumimoji="1" lang="ja-JP" altLang="en-US"/>
+          </a:p>
+        </p:txBody>
+      </p:sp>
+      <p:sp>
+        <p:nvSpPr>
+          <p:cNvPr id="20" name="テキスト ボックス 19">
+            <a:extLst>
+              <a:ext uri="{FF2B5EF4-FFF2-40B4-BE49-F238E27FC236}">
+                <a16:creationId xmlns:a16="http://schemas.microsoft.com/office/drawing/2014/main" id="{41F24842-43E8-ED40-96FF-595CD7977AB1}"/>
+              </a:ext>
+            </a:extLst>
+          </p:cNvPr>
+          <p:cNvSpPr txBox="1"/>
+          <p:nvPr/>
+        </p:nvSpPr>
+        <p:spPr>
+          <a:xfrm>
+            <a:off x="1160219" y="5156549"/>
+            <a:ext cx="847875" cy="369332"/>
+          </a:xfrm>
+          <a:prstGeom prst="rect">
+            <a:avLst/>
+          </a:prstGeom>
+          <a:noFill/>
+        </p:spPr>
+        <p:txBody>
+          <a:bodyPr wrap="square" rtlCol="0">
+            <a:spAutoFit/>
+          </a:bodyPr>
+          <a:lstStyle/>
+          <a:p>
+            <a:r>
+              <a:rPr kumimoji="1" lang="ja-JP" altLang="en-US"/>
+              <a:t>仕様</a:t>
+            </a:r>
+            <a:endParaRPr kumimoji="1" lang="en-US" altLang="ja-JP"/>
+          </a:p>
+        </p:txBody>
+      </p:sp>
+      <p:sp>
+        <p:nvSpPr>
+          <p:cNvPr id="21" name="テキスト ボックス 20">
+            <a:extLst>
+              <a:ext uri="{FF2B5EF4-FFF2-40B4-BE49-F238E27FC236}">
+                <a16:creationId xmlns:a16="http://schemas.microsoft.com/office/drawing/2014/main" id="{195F091C-8780-044D-B2BF-DE1E88242353}"/>
+              </a:ext>
+            </a:extLst>
+          </p:cNvPr>
+          <p:cNvSpPr txBox="1"/>
+          <p:nvPr/>
+        </p:nvSpPr>
+        <p:spPr>
+          <a:xfrm>
+            <a:off x="2225133" y="5156549"/>
+            <a:ext cx="1136631" cy="646331"/>
+          </a:xfrm>
+          <a:prstGeom prst="rect">
+            <a:avLst/>
+          </a:prstGeom>
+          <a:noFill/>
+        </p:spPr>
+        <p:txBody>
+          <a:bodyPr wrap="square" rtlCol="0">
+            <a:spAutoFit/>
+          </a:bodyPr>
+          <a:lstStyle/>
+          <a:p>
+            <a:r>
+              <a:rPr kumimoji="1" lang="ja-JP" altLang="en-US"/>
+              <a:t>自由度</a:t>
+            </a:r>
+            <a:endParaRPr kumimoji="1" lang="en-US" altLang="ja-JP"/>
+          </a:p>
+          <a:p>
+            <a:r>
+              <a:rPr kumimoji="1" lang="en-US" altLang="ja-JP"/>
+              <a:t>4</a:t>
+            </a:r>
+          </a:p>
+        </p:txBody>
+      </p:sp>
+      <p:sp>
+        <p:nvSpPr>
+          <p:cNvPr id="22" name="テキスト ボックス 21">
+            <a:extLst>
+              <a:ext uri="{FF2B5EF4-FFF2-40B4-BE49-F238E27FC236}">
+                <a16:creationId xmlns:a16="http://schemas.microsoft.com/office/drawing/2014/main" id="{0353F191-F140-394C-9123-A1B3C38BE6AF}"/>
+              </a:ext>
+            </a:extLst>
+          </p:cNvPr>
+          <p:cNvSpPr txBox="1"/>
+          <p:nvPr/>
+        </p:nvSpPr>
+        <p:spPr>
+          <a:xfrm>
+            <a:off x="3490101" y="5156549"/>
+            <a:ext cx="1781146" cy="646331"/>
+          </a:xfrm>
+          <a:prstGeom prst="rect">
+            <a:avLst/>
+          </a:prstGeom>
+          <a:noFill/>
+        </p:spPr>
+        <p:txBody>
+          <a:bodyPr wrap="square" rtlCol="0">
+            <a:spAutoFit/>
+          </a:bodyPr>
+          <a:lstStyle/>
+          <a:p>
+            <a:r>
+              <a:rPr kumimoji="1" lang="ja-JP" altLang="en-US"/>
+              <a:t>環境把握能力</a:t>
+            </a:r>
+            <a:endParaRPr kumimoji="1" lang="en-US" altLang="ja-JP"/>
+          </a:p>
+          <a:p>
+            <a:r>
+              <a:rPr lang="ja-JP" altLang="en-US"/>
+              <a:t>一般物体検出</a:t>
+            </a:r>
+            <a:endParaRPr kumimoji="1" lang="en-US" altLang="ja-JP"/>
+          </a:p>
+        </p:txBody>
+      </p:sp>
+      <p:sp>
+        <p:nvSpPr>
+          <p:cNvPr id="23" name="テキスト ボックス 22">
+            <a:extLst>
+              <a:ext uri="{FF2B5EF4-FFF2-40B4-BE49-F238E27FC236}">
+                <a16:creationId xmlns:a16="http://schemas.microsoft.com/office/drawing/2014/main" id="{CD13F301-725A-A34C-8D52-C447C6914EDF}"/>
+              </a:ext>
+            </a:extLst>
+          </p:cNvPr>
+          <p:cNvSpPr txBox="1"/>
+          <p:nvPr/>
+        </p:nvSpPr>
+        <p:spPr>
+          <a:xfrm>
+            <a:off x="5220290" y="5113941"/>
+            <a:ext cx="1781146" cy="923330"/>
+          </a:xfrm>
+          <a:prstGeom prst="rect">
+            <a:avLst/>
+          </a:prstGeom>
+          <a:noFill/>
+        </p:spPr>
+        <p:txBody>
+          <a:bodyPr wrap="square" rtlCol="0">
+            <a:spAutoFit/>
+          </a:bodyPr>
+          <a:lstStyle/>
+          <a:p>
+            <a:r>
+              <a:rPr kumimoji="1" lang="ja-JP" altLang="en-US"/>
+              <a:t>制御方法</a:t>
+            </a:r>
+            <a:endParaRPr kumimoji="1" lang="en-US" altLang="ja-JP"/>
+          </a:p>
+          <a:p>
+            <a:r>
+              <a:rPr kumimoji="1" lang="ja-JP" altLang="en-US"/>
+              <a:t>比例制御＋ルールベース</a:t>
+            </a:r>
+            <a:endParaRPr kumimoji="1" lang="en-US" altLang="ja-JP"/>
+          </a:p>
+        </p:txBody>
+      </p:sp>
+      <p:sp>
+        <p:nvSpPr>
+          <p:cNvPr id="24" name="テキスト ボックス 23">
+            <a:extLst>
+              <a:ext uri="{FF2B5EF4-FFF2-40B4-BE49-F238E27FC236}">
+                <a16:creationId xmlns:a16="http://schemas.microsoft.com/office/drawing/2014/main" id="{7C943F5E-849F-BF40-8217-68E6CFC73A25}"/>
+              </a:ext>
+            </a:extLst>
+          </p:cNvPr>
+          <p:cNvSpPr txBox="1"/>
+          <p:nvPr/>
+        </p:nvSpPr>
+        <p:spPr>
+          <a:xfrm>
+            <a:off x="6950479" y="5124250"/>
+            <a:ext cx="1781146" cy="646331"/>
+          </a:xfrm>
+          <a:prstGeom prst="rect">
+            <a:avLst/>
+          </a:prstGeom>
+          <a:noFill/>
+        </p:spPr>
+        <p:txBody>
+          <a:bodyPr wrap="square" rtlCol="0">
+            <a:spAutoFit/>
+          </a:bodyPr>
+          <a:lstStyle/>
+          <a:p>
+            <a:r>
+              <a:rPr kumimoji="1" lang="ja-JP" altLang="en-US"/>
+              <a:t>大きさ・重さ</a:t>
+            </a:r>
+            <a:endParaRPr kumimoji="1" lang="en-US" altLang="ja-JP"/>
+          </a:p>
+          <a:p>
+            <a:r>
+              <a:rPr kumimoji="1" lang="en-US" altLang="ja-JP"/>
+              <a:t>1</a:t>
+            </a:r>
+            <a:r>
+              <a:rPr kumimoji="1" lang="ja-JP" altLang="en-US"/>
+              <a:t>号機</a:t>
+            </a:r>
+            <a:r>
+              <a:rPr kumimoji="1" lang="en-US" altLang="ja-JP"/>
+              <a:t>+DL-Box</a:t>
+            </a:r>
+          </a:p>
+        </p:txBody>
+      </p:sp>
+      <p:sp>
+        <p:nvSpPr>
+          <p:cNvPr id="25" name="テキスト ボックス 24">
+            <a:extLst>
+              <a:ext uri="{FF2B5EF4-FFF2-40B4-BE49-F238E27FC236}">
+                <a16:creationId xmlns:a16="http://schemas.microsoft.com/office/drawing/2014/main" id="{1F4A1DA3-9C99-6B42-9E10-71027400D514}"/>
+              </a:ext>
+            </a:extLst>
+          </p:cNvPr>
+          <p:cNvSpPr txBox="1"/>
+          <p:nvPr/>
+        </p:nvSpPr>
+        <p:spPr>
+          <a:xfrm>
+            <a:off x="1700230" y="4691257"/>
+            <a:ext cx="2076970" cy="369332"/>
+          </a:xfrm>
+          <a:prstGeom prst="rect">
+            <a:avLst/>
+          </a:prstGeom>
+          <a:solidFill>
+            <a:schemeClr val="bg1"/>
+          </a:solidFill>
+        </p:spPr>
+        <p:txBody>
+          <a:bodyPr wrap="square" rtlCol="0">
+            <a:spAutoFit/>
+          </a:bodyPr>
+          <a:lstStyle/>
+          <a:p>
+            <a:pPr algn="ctr"/>
+            <a:r>
+              <a:rPr lang="en-US" altLang="ja-JP"/>
+              <a:t>2</a:t>
+            </a:r>
+            <a:r>
+              <a:rPr lang="ja-JP" altLang="en-US"/>
+              <a:t>号機</a:t>
+            </a:r>
+            <a:endParaRPr kumimoji="1" lang="ja-JP" altLang="en-US"/>
+          </a:p>
+        </p:txBody>
+      </p:sp>
+      <p:sp>
+        <p:nvSpPr>
+          <p:cNvPr id="26" name="正方形/長方形 25">
+            <a:extLst>
+              <a:ext uri="{FF2B5EF4-FFF2-40B4-BE49-F238E27FC236}">
+                <a16:creationId xmlns:a16="http://schemas.microsoft.com/office/drawing/2014/main" id="{FF9CB460-30B7-4146-818F-208DEFB37319}"/>
+              </a:ext>
+            </a:extLst>
+          </p:cNvPr>
+          <p:cNvSpPr/>
+          <p:nvPr/>
+        </p:nvSpPr>
+        <p:spPr>
+          <a:xfrm>
+            <a:off x="762000" y="6689228"/>
+            <a:ext cx="8982636" cy="1399366"/>
+          </a:xfrm>
+          <a:prstGeom prst="rect">
+            <a:avLst/>
+          </a:prstGeom>
+          <a:noFill/>
+          <a:ln w="38100">
+            <a:solidFill>
+              <a:schemeClr val="tx1"/>
+            </a:solidFill>
+          </a:ln>
+        </p:spPr>
+        <p:style>
+          <a:lnRef idx="2">
+            <a:schemeClr val="accent1">
+              <a:shade val="50000"/>
+            </a:schemeClr>
+          </a:lnRef>
+          <a:fillRef idx="1">
+            <a:schemeClr val="accent1"/>
+          </a:fillRef>
+          <a:effectRef idx="0">
+            <a:schemeClr val="accent1"/>
+          </a:effectRef>
+          <a:fontRef idx="minor">
+            <a:schemeClr val="lt1"/>
+          </a:fontRef>
+        </p:style>
+        <p:txBody>
+          <a:bodyPr rtlCol="0" anchor="ctr"/>
+          <a:lstStyle/>
+          <a:p>
+            <a:pPr algn="ctr"/>
+            <a:endParaRPr kumimoji="1" lang="ja-JP" altLang="en-US"/>
+          </a:p>
+        </p:txBody>
+      </p:sp>
+      <p:sp>
+        <p:nvSpPr>
+          <p:cNvPr id="27" name="テキスト ボックス 26">
+            <a:extLst>
+              <a:ext uri="{FF2B5EF4-FFF2-40B4-BE49-F238E27FC236}">
+                <a16:creationId xmlns:a16="http://schemas.microsoft.com/office/drawing/2014/main" id="{DE72EE16-14AF-2F48-BBD4-E0C313A408E2}"/>
+              </a:ext>
+            </a:extLst>
+          </p:cNvPr>
+          <p:cNvSpPr txBox="1"/>
+          <p:nvPr/>
+        </p:nvSpPr>
+        <p:spPr>
+          <a:xfrm>
+            <a:off x="1655409" y="6504561"/>
+            <a:ext cx="2076970" cy="369332"/>
+          </a:xfrm>
+          <a:prstGeom prst="rect">
+            <a:avLst/>
+          </a:prstGeom>
+          <a:solidFill>
+            <a:schemeClr val="bg1"/>
+          </a:solidFill>
+        </p:spPr>
+        <p:txBody>
+          <a:bodyPr wrap="square" rtlCol="0">
+            <a:spAutoFit/>
+          </a:bodyPr>
+          <a:lstStyle/>
+          <a:p>
+            <a:pPr algn="ctr"/>
+            <a:r>
+              <a:rPr lang="ja-JP" altLang="en-US"/>
+              <a:t>結論</a:t>
+            </a:r>
+            <a:endParaRPr kumimoji="1" lang="ja-JP" altLang="en-US"/>
+          </a:p>
+        </p:txBody>
+      </p:sp>
+      <p:sp>
+        <p:nvSpPr>
+          <p:cNvPr id="33" name="正方形/長方形 32">
+            <a:extLst>
+              <a:ext uri="{FF2B5EF4-FFF2-40B4-BE49-F238E27FC236}">
+                <a16:creationId xmlns:a16="http://schemas.microsoft.com/office/drawing/2014/main" id="{FF7E8192-BF83-6945-AD6D-53B093B767D2}"/>
+              </a:ext>
+            </a:extLst>
+          </p:cNvPr>
+          <p:cNvSpPr/>
+          <p:nvPr/>
+        </p:nvSpPr>
+        <p:spPr>
+          <a:xfrm>
+            <a:off x="762000" y="8471792"/>
+            <a:ext cx="8982636" cy="1399366"/>
+          </a:xfrm>
+          <a:prstGeom prst="rect">
+            <a:avLst/>
+          </a:prstGeom>
+          <a:noFill/>
+          <a:ln w="38100">
+            <a:solidFill>
+              <a:schemeClr val="tx1"/>
+            </a:solidFill>
+          </a:ln>
+        </p:spPr>
+        <p:style>
+          <a:lnRef idx="2">
+            <a:schemeClr val="accent1">
+              <a:shade val="50000"/>
+            </a:schemeClr>
+          </a:lnRef>
+          <a:fillRef idx="1">
+            <a:schemeClr val="accent1"/>
+          </a:fillRef>
+          <a:effectRef idx="0">
+            <a:schemeClr val="accent1"/>
+          </a:effectRef>
+          <a:fontRef idx="minor">
+            <a:schemeClr val="lt1"/>
+          </a:fontRef>
+        </p:style>
+        <p:txBody>
+          <a:bodyPr rtlCol="0" anchor="ctr"/>
+          <a:lstStyle/>
+          <a:p>
+            <a:pPr algn="ctr"/>
+            <a:endParaRPr kumimoji="1" lang="ja-JP" altLang="en-US"/>
+          </a:p>
+        </p:txBody>
+      </p:sp>
+      <p:sp>
+        <p:nvSpPr>
+          <p:cNvPr id="34" name="テキスト ボックス 33">
+            <a:extLst>
+              <a:ext uri="{FF2B5EF4-FFF2-40B4-BE49-F238E27FC236}">
+                <a16:creationId xmlns:a16="http://schemas.microsoft.com/office/drawing/2014/main" id="{9144891C-F7D4-624E-AEC2-B92DFB828536}"/>
+              </a:ext>
+            </a:extLst>
+          </p:cNvPr>
+          <p:cNvSpPr txBox="1"/>
+          <p:nvPr/>
+        </p:nvSpPr>
+        <p:spPr>
+          <a:xfrm>
+            <a:off x="1655408" y="8287125"/>
+            <a:ext cx="2538653" cy="369332"/>
+          </a:xfrm>
+          <a:prstGeom prst="rect">
+            <a:avLst/>
+          </a:prstGeom>
+          <a:solidFill>
+            <a:schemeClr val="bg1"/>
+          </a:solidFill>
+        </p:spPr>
+        <p:txBody>
+          <a:bodyPr wrap="square" rtlCol="0">
+            <a:spAutoFit/>
+          </a:bodyPr>
+          <a:lstStyle/>
+          <a:p>
+            <a:pPr algn="ctr"/>
+            <a:r>
+              <a:rPr lang="en-US" altLang="ja-JP"/>
+              <a:t>Future work 3</a:t>
+            </a:r>
+            <a:r>
+              <a:rPr lang="ja-JP" altLang="en-US"/>
+              <a:t>号機</a:t>
+            </a:r>
+            <a:endParaRPr kumimoji="1" lang="ja-JP" altLang="en-US"/>
+          </a:p>
+        </p:txBody>
+      </p:sp>
+      <p:sp>
+        <p:nvSpPr>
+          <p:cNvPr id="35" name="テキスト ボックス 34">
+            <a:extLst>
+              <a:ext uri="{FF2B5EF4-FFF2-40B4-BE49-F238E27FC236}">
+                <a16:creationId xmlns:a16="http://schemas.microsoft.com/office/drawing/2014/main" id="{1D77039B-1910-0F49-BE02-AFCA962D21A4}"/>
+              </a:ext>
+            </a:extLst>
+          </p:cNvPr>
+          <p:cNvSpPr txBox="1"/>
+          <p:nvPr/>
+        </p:nvSpPr>
+        <p:spPr>
+          <a:xfrm>
+            <a:off x="1169184" y="8752418"/>
+            <a:ext cx="847875" cy="369332"/>
+          </a:xfrm>
+          <a:prstGeom prst="rect">
+            <a:avLst/>
+          </a:prstGeom>
+          <a:noFill/>
+        </p:spPr>
+        <p:txBody>
+          <a:bodyPr wrap="square" rtlCol="0">
+            <a:spAutoFit/>
+          </a:bodyPr>
+          <a:lstStyle/>
+          <a:p>
+            <a:r>
+              <a:rPr kumimoji="1" lang="ja-JP" altLang="en-US"/>
+              <a:t>仕様</a:t>
+            </a:r>
+            <a:endParaRPr kumimoji="1" lang="en-US" altLang="ja-JP"/>
+          </a:p>
+        </p:txBody>
+      </p:sp>
+      <p:sp>
+        <p:nvSpPr>
+          <p:cNvPr id="36" name="テキスト ボックス 35">
+            <a:extLst>
+              <a:ext uri="{FF2B5EF4-FFF2-40B4-BE49-F238E27FC236}">
+                <a16:creationId xmlns:a16="http://schemas.microsoft.com/office/drawing/2014/main" id="{42FDB206-B1C3-394C-A13C-BAE49B35F64B}"/>
+              </a:ext>
+            </a:extLst>
+          </p:cNvPr>
+          <p:cNvSpPr txBox="1"/>
+          <p:nvPr/>
+        </p:nvSpPr>
+        <p:spPr>
+          <a:xfrm>
+            <a:off x="2234098" y="8752418"/>
+            <a:ext cx="1136631" cy="646331"/>
+          </a:xfrm>
+          <a:prstGeom prst="rect">
+            <a:avLst/>
+          </a:prstGeom>
+          <a:noFill/>
+        </p:spPr>
+        <p:txBody>
+          <a:bodyPr wrap="square" rtlCol="0">
+            <a:spAutoFit/>
+          </a:bodyPr>
+          <a:lstStyle/>
+          <a:p>
+            <a:r>
+              <a:rPr kumimoji="1" lang="ja-JP" altLang="en-US"/>
+              <a:t>自由度</a:t>
+            </a:r>
+            <a:endParaRPr kumimoji="1" lang="en-US" altLang="ja-JP"/>
+          </a:p>
+          <a:p>
+            <a:r>
+              <a:rPr kumimoji="1" lang="en-US" altLang="ja-JP"/>
+              <a:t>4</a:t>
+            </a:r>
+          </a:p>
+        </p:txBody>
+      </p:sp>
+      <p:sp>
+        <p:nvSpPr>
+          <p:cNvPr id="37" name="テキスト ボックス 36">
+            <a:extLst>
+              <a:ext uri="{FF2B5EF4-FFF2-40B4-BE49-F238E27FC236}">
+                <a16:creationId xmlns:a16="http://schemas.microsoft.com/office/drawing/2014/main" id="{50C06609-362B-3948-8C0B-518B6C85A3DA}"/>
+              </a:ext>
+            </a:extLst>
+          </p:cNvPr>
+          <p:cNvSpPr txBox="1"/>
+          <p:nvPr/>
+        </p:nvSpPr>
+        <p:spPr>
+          <a:xfrm>
+            <a:off x="3499066" y="8752418"/>
+            <a:ext cx="1781146" cy="923330"/>
+          </a:xfrm>
+          <a:prstGeom prst="rect">
+            <a:avLst/>
+          </a:prstGeom>
+          <a:noFill/>
+        </p:spPr>
+        <p:txBody>
+          <a:bodyPr wrap="square" rtlCol="0">
+            <a:spAutoFit/>
+          </a:bodyPr>
+          <a:lstStyle/>
+          <a:p>
+            <a:r>
+              <a:rPr kumimoji="1" lang="ja-JP" altLang="en-US"/>
+              <a:t>環境把握能力</a:t>
+            </a:r>
+            <a:endParaRPr kumimoji="1" lang="en-US" altLang="ja-JP"/>
+          </a:p>
+          <a:p>
+            <a:r>
+              <a:rPr lang="ja-JP" altLang="en-US"/>
+              <a:t>赤色の面積値とその重心</a:t>
+            </a:r>
+            <a:endParaRPr kumimoji="1" lang="en-US" altLang="ja-JP"/>
+          </a:p>
+        </p:txBody>
+      </p:sp>
+      <p:sp>
+        <p:nvSpPr>
+          <p:cNvPr id="38" name="テキスト ボックス 37">
+            <a:extLst>
+              <a:ext uri="{FF2B5EF4-FFF2-40B4-BE49-F238E27FC236}">
+                <a16:creationId xmlns:a16="http://schemas.microsoft.com/office/drawing/2014/main" id="{F99C7525-1ED0-DF42-A65F-89D016FA7734}"/>
+              </a:ext>
+            </a:extLst>
+          </p:cNvPr>
+          <p:cNvSpPr txBox="1"/>
+          <p:nvPr/>
+        </p:nvSpPr>
+        <p:spPr>
+          <a:xfrm>
+            <a:off x="5229255" y="8709810"/>
+            <a:ext cx="1781146" cy="923330"/>
+          </a:xfrm>
+          <a:prstGeom prst="rect">
+            <a:avLst/>
+          </a:prstGeom>
+          <a:noFill/>
+        </p:spPr>
+        <p:txBody>
+          <a:bodyPr wrap="square" rtlCol="0">
+            <a:spAutoFit/>
+          </a:bodyPr>
+          <a:lstStyle/>
+          <a:p>
+            <a:r>
+              <a:rPr kumimoji="1" lang="ja-JP" altLang="en-US"/>
+              <a:t>制御方法</a:t>
+            </a:r>
+            <a:endParaRPr kumimoji="1" lang="en-US" altLang="ja-JP"/>
+          </a:p>
+          <a:p>
+            <a:r>
+              <a:rPr lang="ja-JP" altLang="en-US"/>
+              <a:t>比例制御＋ルールベース</a:t>
+            </a:r>
+            <a:endParaRPr lang="en-US" altLang="ja-JP"/>
+          </a:p>
+        </p:txBody>
+      </p:sp>
+      <p:sp>
+        <p:nvSpPr>
+          <p:cNvPr id="39" name="テキスト ボックス 38">
+            <a:extLst>
+              <a:ext uri="{FF2B5EF4-FFF2-40B4-BE49-F238E27FC236}">
+                <a16:creationId xmlns:a16="http://schemas.microsoft.com/office/drawing/2014/main" id="{801716C5-1B0F-6549-907F-2E1A74C8103F}"/>
+              </a:ext>
+            </a:extLst>
+          </p:cNvPr>
+          <p:cNvSpPr txBox="1"/>
+          <p:nvPr/>
+        </p:nvSpPr>
+        <p:spPr>
+          <a:xfrm>
+            <a:off x="6959444" y="8720119"/>
+            <a:ext cx="1781146" cy="646331"/>
+          </a:xfrm>
+          <a:prstGeom prst="rect">
+            <a:avLst/>
+          </a:prstGeom>
+          <a:noFill/>
+        </p:spPr>
+        <p:txBody>
+          <a:bodyPr wrap="square" rtlCol="0">
+            <a:spAutoFit/>
+          </a:bodyPr>
+          <a:lstStyle/>
+          <a:p>
+            <a:r>
+              <a:rPr kumimoji="1" lang="ja-JP" altLang="en-US"/>
+              <a:t>大きさ・重さ</a:t>
+            </a:r>
+            <a:endParaRPr kumimoji="1" lang="en-US" altLang="ja-JP"/>
+          </a:p>
+          <a:p>
+            <a:r>
+              <a:rPr lang="en-US" altLang="ja-JP"/>
+              <a:t>JetsonNano</a:t>
+            </a:r>
+            <a:endParaRPr kumimoji="1" lang="en-US" altLang="ja-JP"/>
+          </a:p>
+        </p:txBody>
+      </p:sp>
+      <p:sp>
+        <p:nvSpPr>
+          <p:cNvPr id="40" name="テキスト ボックス 39">
+            <a:extLst>
+              <a:ext uri="{FF2B5EF4-FFF2-40B4-BE49-F238E27FC236}">
+                <a16:creationId xmlns:a16="http://schemas.microsoft.com/office/drawing/2014/main" id="{C1BCA1B4-7DF7-7049-AA3C-E83F029A3D4D}"/>
+              </a:ext>
+            </a:extLst>
+          </p:cNvPr>
+          <p:cNvSpPr txBox="1"/>
+          <p:nvPr/>
+        </p:nvSpPr>
+        <p:spPr>
+          <a:xfrm>
+            <a:off x="1133326" y="6997363"/>
+            <a:ext cx="6121472" cy="923330"/>
+          </a:xfrm>
+          <a:prstGeom prst="rect">
+            <a:avLst/>
+          </a:prstGeom>
+          <a:noFill/>
+        </p:spPr>
+        <p:txBody>
+          <a:bodyPr wrap="square" rtlCol="0">
+            <a:spAutoFit/>
+          </a:bodyPr>
+          <a:lstStyle/>
+          <a:p>
+            <a:r>
+              <a:rPr lang="ja-JP" altLang="en-US"/>
+              <a:t>小型化できた</a:t>
+            </a:r>
+            <a:endParaRPr lang="en-US" altLang="ja-JP"/>
+          </a:p>
+          <a:p>
+            <a:r>
+              <a:rPr kumimoji="1" lang="ja-JP" altLang="en-US"/>
+              <a:t>自律制御できた</a:t>
+            </a:r>
+            <a:endParaRPr kumimoji="1" lang="en-US" altLang="ja-JP"/>
+          </a:p>
+          <a:p>
+            <a:r>
+              <a:rPr lang="ja-JP" altLang="en-US"/>
+              <a:t>携帯性が失われた</a:t>
+            </a:r>
+            <a:endParaRPr kumimoji="1" lang="en-US" altLang="ja-JP"/>
+          </a:p>
+        </p:txBody>
+      </p:sp>
     </p:spTree>
     <p:extLst>
       <p:ext uri="{BB962C8B-B14F-4D97-AF65-F5344CB8AC3E}">
